--- a/doc/WikidataMapVIS説明図.pptx
+++ b/doc/WikidataMapVIS説明図.pptx
@@ -8,7 +8,11 @@
     <p:sldId id="256" r:id="rId2"/>
     <p:sldId id="257" r:id="rId3"/>
     <p:sldId id="258" r:id="rId4"/>
-    <p:sldId id="259" r:id="rId5"/>
+    <p:sldId id="260" r:id="rId5"/>
+    <p:sldId id="261" r:id="rId6"/>
+    <p:sldId id="262" r:id="rId7"/>
+    <p:sldId id="263" r:id="rId8"/>
+    <p:sldId id="259" r:id="rId9"/>
   </p:sldIdLst>
   <p:sldSz cx="12192000" cy="6858000"/>
   <p:notesSz cx="6858000" cy="9144000"/>
@@ -4450,19 +4454,458 @@
         </p:nvSpPr>
         <p:spPr>
           <a:xfrm>
-            <a:off x="838200" y="365125"/>
+            <a:off x="352778" y="240898"/>
             <a:ext cx="10515600" cy="584835"/>
           </a:xfrm>
         </p:spPr>
         <p:txBody>
           <a:bodyPr>
-            <a:normAutofit fontScale="90000"/>
+            <a:noAutofit/>
           </a:bodyPr>
           <a:lstStyle/>
           <a:p>
             <a:r>
-              <a:rPr kumimoji="1" lang="ja-JP" altLang="en-US" dirty="0"/>
-              <a:t>使い方の詳細①</a:t>
+              <a:rPr kumimoji="1" lang="ja-JP" altLang="en-US" sz="3200" dirty="0"/>
+              <a:t>使い方の詳細①：</a:t>
+            </a:r>
+            <a:r>
+              <a:rPr kumimoji="1" lang="ja-JP" altLang="en-US" sz="3200" b="1" dirty="0"/>
+              <a:t>表示したいデータの「具体例」を検索</a:t>
+            </a:r>
+          </a:p>
+        </p:txBody>
+      </p:sp>
+      <p:pic>
+        <p:nvPicPr>
+          <p:cNvPr id="3" name="図 2">
+            <a:extLst>
+              <a:ext uri="{FF2B5EF4-FFF2-40B4-BE49-F238E27FC236}">
+                <a16:creationId xmlns:a16="http://schemas.microsoft.com/office/drawing/2014/main" id="{DDAC5924-4994-4048-BAC8-F833CB643EF8}"/>
+              </a:ext>
+            </a:extLst>
+          </p:cNvPr>
+          <p:cNvPicPr>
+            <a:picLocks noChangeAspect="1"/>
+          </p:cNvPicPr>
+          <p:nvPr/>
+        </p:nvPicPr>
+        <p:blipFill>
+          <a:blip r:embed="rId2"/>
+          <a:stretch>
+            <a:fillRect/>
+          </a:stretch>
+        </p:blipFill>
+        <p:spPr>
+          <a:xfrm>
+            <a:off x="524617" y="949960"/>
+            <a:ext cx="6776727" cy="5663789"/>
+          </a:xfrm>
+          <a:prstGeom prst="rect">
+            <a:avLst/>
+          </a:prstGeom>
+        </p:spPr>
+      </p:pic>
+      <p:sp>
+        <p:nvSpPr>
+          <p:cNvPr id="4" name="吹き出し: 四角形 3">
+            <a:extLst>
+              <a:ext uri="{FF2B5EF4-FFF2-40B4-BE49-F238E27FC236}">
+                <a16:creationId xmlns:a16="http://schemas.microsoft.com/office/drawing/2014/main" id="{A87E8C40-DDCC-4BEA-AC9F-F70E6E698590}"/>
+              </a:ext>
+            </a:extLst>
+          </p:cNvPr>
+          <p:cNvSpPr/>
+          <p:nvPr/>
+        </p:nvSpPr>
+        <p:spPr>
+          <a:xfrm>
+            <a:off x="3383792" y="3474156"/>
+            <a:ext cx="3502429" cy="529141"/>
+          </a:xfrm>
+          <a:prstGeom prst="wedgeRectCallout">
+            <a:avLst>
+              <a:gd name="adj1" fmla="val -70098"/>
+              <a:gd name="adj2" fmla="val -22116"/>
+            </a:avLst>
+          </a:prstGeom>
+          <a:solidFill>
+            <a:srgbClr val="FFFFCC"/>
+          </a:solidFill>
+          <a:ln>
+            <a:solidFill>
+              <a:srgbClr val="FF0000"/>
+            </a:solidFill>
+          </a:ln>
+        </p:spPr>
+        <p:style>
+          <a:lnRef idx="2">
+            <a:schemeClr val="accent1">
+              <a:shade val="50000"/>
+            </a:schemeClr>
+          </a:lnRef>
+          <a:fillRef idx="1">
+            <a:schemeClr val="accent1"/>
+          </a:fillRef>
+          <a:effectRef idx="0">
+            <a:schemeClr val="accent1"/>
+          </a:effectRef>
+          <a:fontRef idx="minor">
+            <a:schemeClr val="lt1"/>
+          </a:fontRef>
+        </p:style>
+        <p:txBody>
+          <a:bodyPr rtlCol="0" anchor="ctr"/>
+          <a:lstStyle/>
+          <a:p>
+            <a:pPr algn="ctr"/>
+            <a:r>
+              <a:rPr kumimoji="1" lang="ja-JP" altLang="en-US" sz="1400" dirty="0">
+                <a:solidFill>
+                  <a:srgbClr val="FF0000"/>
+                </a:solidFill>
+              </a:rPr>
+              <a:t>①</a:t>
+            </a:r>
+            <a:r>
+              <a:rPr lang="ja-JP" altLang="en-US" sz="1400" dirty="0">
+                <a:solidFill>
+                  <a:srgbClr val="FF0000"/>
+                </a:solidFill>
+              </a:rPr>
+              <a:t>入力欄に</a:t>
+            </a:r>
+            <a:r>
+              <a:rPr kumimoji="1" lang="en-US" altLang="ja-JP" sz="1400" dirty="0">
+                <a:solidFill>
+                  <a:srgbClr val="FF0000"/>
+                </a:solidFill>
+              </a:rPr>
+              <a:t>MAP</a:t>
+            </a:r>
+            <a:r>
+              <a:rPr kumimoji="1" lang="ja-JP" altLang="en-US" sz="1400" dirty="0">
+                <a:solidFill>
+                  <a:srgbClr val="FF0000"/>
+                </a:solidFill>
+              </a:rPr>
+              <a:t>で</a:t>
+            </a:r>
+            <a:r>
+              <a:rPr kumimoji="1" lang="ja-JP" altLang="en-US" sz="1400" b="1" dirty="0">
+                <a:solidFill>
+                  <a:srgbClr val="FF0000"/>
+                </a:solidFill>
+              </a:rPr>
+              <a:t>表示したいデータの「具体例」</a:t>
+            </a:r>
+            <a:r>
+              <a:rPr kumimoji="1" lang="ja-JP" altLang="en-US" sz="1400" dirty="0">
+                <a:solidFill>
+                  <a:srgbClr val="FF0000"/>
+                </a:solidFill>
+              </a:rPr>
+              <a:t>を入れて検索を実行する</a:t>
+            </a:r>
+          </a:p>
+        </p:txBody>
+      </p:sp>
+      <p:sp>
+        <p:nvSpPr>
+          <p:cNvPr id="5" name="テキスト ボックス 4">
+            <a:extLst>
+              <a:ext uri="{FF2B5EF4-FFF2-40B4-BE49-F238E27FC236}">
+                <a16:creationId xmlns:a16="http://schemas.microsoft.com/office/drawing/2014/main" id="{3CD05040-BF89-4F2A-91C1-2C1829FA22FF}"/>
+              </a:ext>
+            </a:extLst>
+          </p:cNvPr>
+          <p:cNvSpPr txBox="1"/>
+          <p:nvPr/>
+        </p:nvSpPr>
+        <p:spPr>
+          <a:xfrm>
+            <a:off x="7416800" y="949961"/>
+            <a:ext cx="4673600" cy="5909310"/>
+          </a:xfrm>
+          <a:prstGeom prst="rect">
+            <a:avLst/>
+          </a:prstGeom>
+          <a:noFill/>
+        </p:spPr>
+        <p:txBody>
+          <a:bodyPr wrap="square" rtlCol="0">
+            <a:spAutoFit/>
+          </a:bodyPr>
+          <a:lstStyle/>
+          <a:p>
+            <a:r>
+              <a:rPr lang="ja-JP" altLang="en-US" dirty="0"/>
+              <a:t>①入力欄に</a:t>
+            </a:r>
+            <a:r>
+              <a:rPr lang="en-US" altLang="ja-JP" dirty="0"/>
+              <a:t>MAP</a:t>
+            </a:r>
+            <a:r>
+              <a:rPr lang="ja-JP" altLang="en-US" dirty="0"/>
+              <a:t>で表示したいデータの「具体例（</a:t>
+            </a:r>
+            <a:r>
+              <a:rPr lang="en-US" altLang="ja-JP" dirty="0"/>
+              <a:t>※</a:t>
+            </a:r>
+            <a:r>
+              <a:rPr lang="ja-JP" altLang="en-US" dirty="0"/>
+              <a:t>）」を入れて検索を実行する</a:t>
+            </a:r>
+            <a:endParaRPr lang="en-US" altLang="ja-JP" dirty="0"/>
+          </a:p>
+          <a:p>
+            <a:endParaRPr lang="en-US" altLang="ja-JP" dirty="0"/>
+          </a:p>
+          <a:p>
+            <a:r>
+              <a:rPr lang="en-US" altLang="ja-JP" dirty="0"/>
+              <a:t>※</a:t>
+            </a:r>
+            <a:r>
+              <a:rPr lang="ja-JP" altLang="en-US" dirty="0"/>
+              <a:t>「神社の</a:t>
+            </a:r>
+            <a:r>
+              <a:rPr lang="en-US" altLang="ja-JP" dirty="0"/>
+              <a:t>MAP</a:t>
+            </a:r>
+            <a:r>
+              <a:rPr lang="ja-JP" altLang="en-US" dirty="0"/>
+              <a:t>」を作りたいのであれば「出雲大社」，「空港の</a:t>
+            </a:r>
+            <a:r>
+              <a:rPr lang="en-US" altLang="ja-JP" dirty="0"/>
+              <a:t>MAP</a:t>
+            </a:r>
+            <a:r>
+              <a:rPr lang="ja-JP" altLang="en-US" dirty="0"/>
+              <a:t>」を作りたのいであれば「関西空港」など，</a:t>
+            </a:r>
+            <a:r>
+              <a:rPr lang="en-US" altLang="ja-JP" dirty="0"/>
+              <a:t>MAP</a:t>
+            </a:r>
+            <a:r>
+              <a:rPr lang="ja-JP" altLang="en-US" dirty="0"/>
+              <a:t>で表示したい「分類」に当てはまる具体例を入れる．</a:t>
+            </a:r>
+            <a:endParaRPr lang="en-US" altLang="ja-JP" dirty="0"/>
+          </a:p>
+          <a:p>
+            <a:endParaRPr lang="en-US" altLang="ja-JP" dirty="0"/>
+          </a:p>
+          <a:p>
+            <a:r>
+              <a:rPr lang="ja-JP" altLang="en-US" dirty="0"/>
+              <a:t>うまく見つからないときは，検索のオプション</a:t>
+            </a:r>
+            <a:endParaRPr lang="en-US" altLang="ja-JP" dirty="0"/>
+          </a:p>
+          <a:p>
+            <a:pPr marL="742950" lvl="1" indent="-285750">
+              <a:buFont typeface="Arial" panose="020B0604020202020204" pitchFamily="34" charset="0"/>
+              <a:buChar char="•"/>
+            </a:pPr>
+            <a:r>
+              <a:rPr lang="ja-JP" altLang="en-US" b="1" dirty="0"/>
+              <a:t>完全一致</a:t>
+            </a:r>
+            <a:r>
+              <a:rPr lang="ja-JP" altLang="en-US" dirty="0"/>
+              <a:t>：「ラベル」か「別名」が完全位置するものを検索</a:t>
+            </a:r>
+            <a:endParaRPr lang="en-US" altLang="ja-JP" dirty="0"/>
+          </a:p>
+          <a:p>
+            <a:pPr marL="742950" lvl="1" indent="-285750">
+              <a:buFont typeface="Arial" panose="020B0604020202020204" pitchFamily="34" charset="0"/>
+              <a:buChar char="•"/>
+            </a:pPr>
+            <a:r>
+              <a:rPr lang="ja-JP" altLang="en-US" b="1" dirty="0"/>
+              <a:t>前方一致</a:t>
+            </a:r>
+            <a:r>
+              <a:rPr lang="ja-JP" altLang="en-US" dirty="0"/>
+              <a:t>：「ラベル」か「別名」に前方一致するものを検索</a:t>
+            </a:r>
+            <a:endParaRPr lang="en-US" altLang="ja-JP" dirty="0"/>
+          </a:p>
+          <a:p>
+            <a:pPr marL="742950" lvl="1" indent="-285750">
+              <a:buFont typeface="Arial" panose="020B0604020202020204" pitchFamily="34" charset="0"/>
+              <a:buChar char="•"/>
+            </a:pPr>
+            <a:r>
+              <a:rPr lang="ja-JP" altLang="en-US" b="1" dirty="0"/>
+              <a:t>あいまい検索</a:t>
+            </a:r>
+            <a:r>
+              <a:rPr lang="ja-JP" altLang="en-US" dirty="0"/>
+              <a:t>：概要説明などを含めてより広く検索</a:t>
+            </a:r>
+            <a:endParaRPr lang="en-US" altLang="ja-JP" dirty="0"/>
+          </a:p>
+          <a:p>
+            <a:r>
+              <a:rPr lang="ja-JP" altLang="en-US" dirty="0"/>
+              <a:t>を切り替えて試す．</a:t>
+            </a:r>
+            <a:endParaRPr lang="en-US" altLang="ja-JP" dirty="0"/>
+          </a:p>
+          <a:p>
+            <a:endParaRPr lang="en-US" altLang="ja-JP" dirty="0"/>
+          </a:p>
+          <a:p>
+            <a:endParaRPr lang="ja-JP" altLang="en-US" dirty="0"/>
+          </a:p>
+          <a:p>
+            <a:endParaRPr kumimoji="1" lang="ja-JP" altLang="en-US" dirty="0"/>
+          </a:p>
+        </p:txBody>
+      </p:sp>
+      <p:sp>
+        <p:nvSpPr>
+          <p:cNvPr id="6" name="四角形: 角を丸くする 5">
+            <a:extLst>
+              <a:ext uri="{FF2B5EF4-FFF2-40B4-BE49-F238E27FC236}">
+                <a16:creationId xmlns:a16="http://schemas.microsoft.com/office/drawing/2014/main" id="{C6DBFDC6-E047-46A5-8FD6-0FAB90A75184}"/>
+              </a:ext>
+            </a:extLst>
+          </p:cNvPr>
+          <p:cNvSpPr/>
+          <p:nvPr/>
+        </p:nvSpPr>
+        <p:spPr>
+          <a:xfrm>
+            <a:off x="767644" y="5091784"/>
+            <a:ext cx="5621861" cy="360680"/>
+          </a:xfrm>
+          <a:prstGeom prst="roundRect">
+            <a:avLst/>
+          </a:prstGeom>
+          <a:noFill/>
+          <a:ln w="38100">
+            <a:solidFill>
+              <a:srgbClr val="FF0000"/>
+            </a:solidFill>
+          </a:ln>
+        </p:spPr>
+        <p:style>
+          <a:lnRef idx="2">
+            <a:schemeClr val="accent1">
+              <a:shade val="50000"/>
+            </a:schemeClr>
+          </a:lnRef>
+          <a:fillRef idx="1">
+            <a:schemeClr val="accent1"/>
+          </a:fillRef>
+          <a:effectRef idx="0">
+            <a:schemeClr val="accent1"/>
+          </a:effectRef>
+          <a:fontRef idx="minor">
+            <a:schemeClr val="lt1"/>
+          </a:fontRef>
+        </p:style>
+        <p:txBody>
+          <a:bodyPr rtlCol="0" anchor="ctr"/>
+          <a:lstStyle/>
+          <a:p>
+            <a:pPr algn="ctr"/>
+            <a:endParaRPr kumimoji="1" lang="ja-JP" altLang="en-US" dirty="0"/>
+          </a:p>
+        </p:txBody>
+      </p:sp>
+      <p:sp>
+        <p:nvSpPr>
+          <p:cNvPr id="7" name="吹き出し: 四角形 6">
+            <a:extLst>
+              <a:ext uri="{FF2B5EF4-FFF2-40B4-BE49-F238E27FC236}">
+                <a16:creationId xmlns:a16="http://schemas.microsoft.com/office/drawing/2014/main" id="{336B4E2C-0ADE-4D66-9F92-00BEDECCFFBB}"/>
+              </a:ext>
+            </a:extLst>
+          </p:cNvPr>
+          <p:cNvSpPr/>
+          <p:nvPr/>
+        </p:nvSpPr>
+        <p:spPr>
+          <a:xfrm>
+            <a:off x="5323276" y="5717495"/>
+            <a:ext cx="1722119" cy="763270"/>
+          </a:xfrm>
+          <a:prstGeom prst="wedgeRectCallout">
+            <a:avLst>
+              <a:gd name="adj1" fmla="val -46784"/>
+              <a:gd name="adj2" fmla="val -91018"/>
+            </a:avLst>
+          </a:prstGeom>
+          <a:solidFill>
+            <a:srgbClr val="FFFFCC"/>
+          </a:solidFill>
+          <a:ln>
+            <a:solidFill>
+              <a:srgbClr val="FF0000"/>
+            </a:solidFill>
+          </a:ln>
+        </p:spPr>
+        <p:style>
+          <a:lnRef idx="2">
+            <a:schemeClr val="accent1">
+              <a:shade val="50000"/>
+            </a:schemeClr>
+          </a:lnRef>
+          <a:fillRef idx="1">
+            <a:schemeClr val="accent1"/>
+          </a:fillRef>
+          <a:effectRef idx="0">
+            <a:schemeClr val="accent1"/>
+          </a:effectRef>
+          <a:fontRef idx="minor">
+            <a:schemeClr val="lt1"/>
+          </a:fontRef>
+        </p:style>
+        <p:txBody>
+          <a:bodyPr rtlCol="0" anchor="ctr"/>
+          <a:lstStyle/>
+          <a:p>
+            <a:pPr algn="ctr"/>
+            <a:r>
+              <a:rPr kumimoji="1" lang="ja-JP" altLang="en-US" sz="1400" dirty="0">
+                <a:solidFill>
+                  <a:srgbClr val="FF0000"/>
+                </a:solidFill>
+              </a:rPr>
+              <a:t>②検索結果から</a:t>
+            </a:r>
+            <a:r>
+              <a:rPr kumimoji="1" lang="en-US" altLang="ja-JP" sz="1400" b="1" dirty="0">
+                <a:solidFill>
+                  <a:srgbClr val="FF0000"/>
+                </a:solidFill>
+              </a:rPr>
+              <a:t>MAP</a:t>
+            </a:r>
+            <a:r>
+              <a:rPr kumimoji="1" lang="ja-JP" altLang="en-US" sz="1400" b="1" dirty="0">
+                <a:solidFill>
+                  <a:srgbClr val="FF0000"/>
+                </a:solidFill>
+              </a:rPr>
+              <a:t>を作成したい「分類」</a:t>
+            </a:r>
+            <a:r>
+              <a:rPr kumimoji="1" lang="ja-JP" altLang="en-US" sz="1400" dirty="0">
+                <a:solidFill>
+                  <a:srgbClr val="FF0000"/>
+                </a:solidFill>
+              </a:rPr>
+              <a:t>を選択</a:t>
             </a:r>
           </a:p>
         </p:txBody>
@@ -4515,6 +4958,869 @@
         </p:nvSpPr>
         <p:spPr>
           <a:xfrm>
+            <a:off x="352778" y="240898"/>
+            <a:ext cx="10515600" cy="584835"/>
+          </a:xfrm>
+        </p:spPr>
+        <p:txBody>
+          <a:bodyPr>
+            <a:noAutofit/>
+          </a:bodyPr>
+          <a:lstStyle/>
+          <a:p>
+            <a:r>
+              <a:rPr kumimoji="1" lang="ja-JP" altLang="en-US" sz="3200" dirty="0"/>
+              <a:t>使い方の詳細②：</a:t>
+            </a:r>
+            <a:r>
+              <a:rPr kumimoji="1" lang="en-US" altLang="ja-JP" sz="3200" b="1" dirty="0"/>
+              <a:t>MAP</a:t>
+            </a:r>
+            <a:r>
+              <a:rPr kumimoji="1" lang="ja-JP" altLang="en-US" sz="3200" b="1" dirty="0"/>
+              <a:t>を作成したい「具体例」を検索</a:t>
+            </a:r>
+          </a:p>
+        </p:txBody>
+      </p:sp>
+      <p:sp>
+        <p:nvSpPr>
+          <p:cNvPr id="5" name="テキスト ボックス 4">
+            <a:extLst>
+              <a:ext uri="{FF2B5EF4-FFF2-40B4-BE49-F238E27FC236}">
+                <a16:creationId xmlns:a16="http://schemas.microsoft.com/office/drawing/2014/main" id="{3CD05040-BF89-4F2A-91C1-2C1829FA22FF}"/>
+              </a:ext>
+            </a:extLst>
+          </p:cNvPr>
+          <p:cNvSpPr txBox="1"/>
+          <p:nvPr/>
+        </p:nvSpPr>
+        <p:spPr>
+          <a:xfrm>
+            <a:off x="7416800" y="949961"/>
+            <a:ext cx="4673600" cy="2031325"/>
+          </a:xfrm>
+          <a:prstGeom prst="rect">
+            <a:avLst/>
+          </a:prstGeom>
+          <a:noFill/>
+        </p:spPr>
+        <p:txBody>
+          <a:bodyPr wrap="square" rtlCol="0">
+            <a:spAutoFit/>
+          </a:bodyPr>
+          <a:lstStyle/>
+          <a:p>
+            <a:r>
+              <a:rPr lang="ja-JP" altLang="en-US" dirty="0"/>
+              <a:t>②検索結果から</a:t>
+            </a:r>
+            <a:r>
+              <a:rPr lang="en-US" altLang="ja-JP" dirty="0"/>
+              <a:t>MAP</a:t>
+            </a:r>
+            <a:r>
+              <a:rPr lang="ja-JP" altLang="en-US" dirty="0"/>
+              <a:t>を作成したい「分類」を選択し「この分類で</a:t>
+            </a:r>
+            <a:r>
+              <a:rPr lang="en-US" altLang="ja-JP" dirty="0"/>
+              <a:t>MAP</a:t>
+            </a:r>
+            <a:r>
+              <a:rPr lang="ja-JP" altLang="en-US" dirty="0"/>
+              <a:t>を作成する」をクリックする．</a:t>
+            </a:r>
+            <a:endParaRPr lang="en-US" altLang="ja-JP" dirty="0"/>
+          </a:p>
+          <a:p>
+            <a:r>
+              <a:rPr lang="ja-JP" altLang="en-US" dirty="0"/>
+              <a:t>→別ウィンドウ（タブ）に</a:t>
+            </a:r>
+            <a:r>
+              <a:rPr lang="en-US" altLang="ja-JP" dirty="0"/>
+              <a:t>MAP</a:t>
+            </a:r>
+            <a:r>
+              <a:rPr lang="ja-JP" altLang="en-US" dirty="0"/>
+              <a:t>が生成される</a:t>
+            </a:r>
+            <a:endParaRPr lang="en-US" altLang="ja-JP" dirty="0"/>
+          </a:p>
+          <a:p>
+            <a:endParaRPr lang="ja-JP" altLang="en-US" dirty="0"/>
+          </a:p>
+          <a:p>
+            <a:endParaRPr kumimoji="1" lang="ja-JP" altLang="en-US" dirty="0"/>
+          </a:p>
+        </p:txBody>
+      </p:sp>
+      <p:pic>
+        <p:nvPicPr>
+          <p:cNvPr id="8" name="図 7">
+            <a:extLst>
+              <a:ext uri="{FF2B5EF4-FFF2-40B4-BE49-F238E27FC236}">
+                <a16:creationId xmlns:a16="http://schemas.microsoft.com/office/drawing/2014/main" id="{343684F9-F855-4A43-A693-F3727186541F}"/>
+              </a:ext>
+            </a:extLst>
+          </p:cNvPr>
+          <p:cNvPicPr>
+            <a:picLocks noChangeAspect="1"/>
+          </p:cNvPicPr>
+          <p:nvPr/>
+        </p:nvPicPr>
+        <p:blipFill>
+          <a:blip r:embed="rId2"/>
+          <a:stretch>
+            <a:fillRect/>
+          </a:stretch>
+        </p:blipFill>
+        <p:spPr>
+          <a:xfrm>
+            <a:off x="352778" y="949960"/>
+            <a:ext cx="6860822" cy="5734073"/>
+          </a:xfrm>
+          <a:prstGeom prst="rect">
+            <a:avLst/>
+          </a:prstGeom>
+        </p:spPr>
+      </p:pic>
+    </p:spTree>
+    <p:extLst>
+      <p:ext uri="{BB962C8B-B14F-4D97-AF65-F5344CB8AC3E}">
+        <p14:creationId xmlns:p14="http://schemas.microsoft.com/office/powerpoint/2010/main" val="3754074386"/>
+      </p:ext>
+    </p:extLst>
+  </p:cSld>
+  <p:clrMapOvr>
+    <a:masterClrMapping/>
+  </p:clrMapOvr>
+</p:sld>
+</file>
+
+<file path=ppt/slides/slide5.xml><?xml version="1.0" encoding="utf-8"?>
+<p:sld xmlns:a="http://schemas.openxmlformats.org/drawingml/2006/main" xmlns:r="http://schemas.openxmlformats.org/officeDocument/2006/relationships" xmlns:p="http://schemas.openxmlformats.org/presentationml/2006/main">
+  <p:cSld>
+    <p:spTree>
+      <p:nvGrpSpPr>
+        <p:cNvPr id="1" name=""/>
+        <p:cNvGrpSpPr/>
+        <p:nvPr/>
+      </p:nvGrpSpPr>
+      <p:grpSpPr>
+        <a:xfrm>
+          <a:off x="0" y="0"/>
+          <a:ext cx="0" cy="0"/>
+          <a:chOff x="0" y="0"/>
+          <a:chExt cx="0" cy="0"/>
+        </a:xfrm>
+      </p:grpSpPr>
+      <p:sp>
+        <p:nvSpPr>
+          <p:cNvPr id="2" name="タイトル 1">
+            <a:extLst>
+              <a:ext uri="{FF2B5EF4-FFF2-40B4-BE49-F238E27FC236}">
+                <a16:creationId xmlns:a16="http://schemas.microsoft.com/office/drawing/2014/main" id="{75D36618-D843-466B-92EF-E8529AFEB3C5}"/>
+              </a:ext>
+            </a:extLst>
+          </p:cNvPr>
+          <p:cNvSpPr>
+            <a:spLocks noGrp="1"/>
+          </p:cNvSpPr>
+          <p:nvPr>
+            <p:ph type="title"/>
+          </p:nvPr>
+        </p:nvSpPr>
+        <p:spPr>
+          <a:xfrm>
+            <a:off x="352778" y="240898"/>
+            <a:ext cx="10924822" cy="584835"/>
+          </a:xfrm>
+        </p:spPr>
+        <p:txBody>
+          <a:bodyPr>
+            <a:noAutofit/>
+          </a:bodyPr>
+          <a:lstStyle/>
+          <a:p>
+            <a:r>
+              <a:rPr kumimoji="1" lang="ja-JP" altLang="en-US" sz="3200" dirty="0"/>
+              <a:t>使い方の詳細③：</a:t>
+            </a:r>
+            <a:r>
+              <a:rPr kumimoji="1" lang="en-US" altLang="ja-JP" sz="3200" b="1" dirty="0"/>
+              <a:t>MAP</a:t>
+            </a:r>
+            <a:r>
+              <a:rPr kumimoji="1" lang="ja-JP" altLang="en-US" sz="3200" b="1" dirty="0"/>
+              <a:t>上で表示されたデータの詳細を表示</a:t>
+            </a:r>
+          </a:p>
+        </p:txBody>
+      </p:sp>
+      <p:sp>
+        <p:nvSpPr>
+          <p:cNvPr id="5" name="テキスト ボックス 4">
+            <a:extLst>
+              <a:ext uri="{FF2B5EF4-FFF2-40B4-BE49-F238E27FC236}">
+                <a16:creationId xmlns:a16="http://schemas.microsoft.com/office/drawing/2014/main" id="{3CD05040-BF89-4F2A-91C1-2C1829FA22FF}"/>
+              </a:ext>
+            </a:extLst>
+          </p:cNvPr>
+          <p:cNvSpPr txBox="1"/>
+          <p:nvPr/>
+        </p:nvSpPr>
+        <p:spPr>
+          <a:xfrm>
+            <a:off x="7416800" y="949961"/>
+            <a:ext cx="4673600" cy="2585323"/>
+          </a:xfrm>
+          <a:prstGeom prst="rect">
+            <a:avLst/>
+          </a:prstGeom>
+          <a:noFill/>
+        </p:spPr>
+        <p:txBody>
+          <a:bodyPr wrap="square" rtlCol="0">
+            <a:spAutoFit/>
+          </a:bodyPr>
+          <a:lstStyle/>
+          <a:p>
+            <a:r>
+              <a:rPr lang="ja-JP" altLang="en-US" dirty="0"/>
+              <a:t>③</a:t>
+            </a:r>
+            <a:r>
+              <a:rPr lang="en-US" altLang="ja-JP" dirty="0"/>
+              <a:t>MAP</a:t>
+            </a:r>
+            <a:r>
+              <a:rPr lang="ja-JP" altLang="en-US" dirty="0"/>
+              <a:t>に表示された点をクリックしてデータを表示する．</a:t>
+            </a:r>
+            <a:endParaRPr lang="en-US" altLang="ja-JP" dirty="0"/>
+          </a:p>
+          <a:p>
+            <a:r>
+              <a:rPr lang="ja-JP" altLang="en-US" dirty="0"/>
+              <a:t>表示されたデータのリンクをクリックすることで，</a:t>
+            </a:r>
+            <a:endParaRPr lang="en-US" altLang="ja-JP" dirty="0"/>
+          </a:p>
+          <a:p>
+            <a:r>
+              <a:rPr lang="ja-JP" altLang="en-US" dirty="0"/>
+              <a:t>・</a:t>
+            </a:r>
+            <a:r>
+              <a:rPr lang="en-US" altLang="ja-JP" dirty="0"/>
+              <a:t>Google Map</a:t>
+            </a:r>
+            <a:r>
+              <a:rPr lang="ja-JP" altLang="en-US" dirty="0"/>
+              <a:t>を用いた経路検索</a:t>
+            </a:r>
+            <a:endParaRPr lang="en-US" altLang="ja-JP" dirty="0"/>
+          </a:p>
+          <a:p>
+            <a:r>
+              <a:rPr lang="ja-JP" altLang="en-US" dirty="0"/>
+              <a:t>・</a:t>
+            </a:r>
+            <a:r>
+              <a:rPr lang="en-US" altLang="ja-JP" dirty="0" err="1"/>
+              <a:t>Wikidata</a:t>
+            </a:r>
+            <a:r>
+              <a:rPr lang="ja-JP" altLang="en-US" dirty="0" err="1"/>
+              <a:t>での</a:t>
+            </a:r>
+            <a:r>
+              <a:rPr lang="ja-JP" altLang="en-US" dirty="0"/>
+              <a:t>定義内容の確認</a:t>
+            </a:r>
+            <a:endParaRPr lang="en-US" altLang="ja-JP" dirty="0"/>
+          </a:p>
+          <a:p>
+            <a:r>
+              <a:rPr lang="ja-JP" altLang="en-US" dirty="0"/>
+              <a:t>ができる</a:t>
+            </a:r>
+          </a:p>
+          <a:p>
+            <a:endParaRPr lang="ja-JP" altLang="en-US" dirty="0"/>
+          </a:p>
+          <a:p>
+            <a:endParaRPr kumimoji="1" lang="ja-JP" altLang="en-US" dirty="0"/>
+          </a:p>
+        </p:txBody>
+      </p:sp>
+      <p:pic>
+        <p:nvPicPr>
+          <p:cNvPr id="3" name="図 2">
+            <a:extLst>
+              <a:ext uri="{FF2B5EF4-FFF2-40B4-BE49-F238E27FC236}">
+                <a16:creationId xmlns:a16="http://schemas.microsoft.com/office/drawing/2014/main" id="{2E4C3B6D-8FCB-4E93-827C-987CF688551A}"/>
+              </a:ext>
+            </a:extLst>
+          </p:cNvPr>
+          <p:cNvPicPr>
+            <a:picLocks noChangeAspect="1"/>
+          </p:cNvPicPr>
+          <p:nvPr/>
+        </p:nvPicPr>
+        <p:blipFill>
+          <a:blip r:embed="rId2"/>
+          <a:stretch>
+            <a:fillRect/>
+          </a:stretch>
+        </p:blipFill>
+        <p:spPr>
+          <a:xfrm>
+            <a:off x="352778" y="906943"/>
+            <a:ext cx="6860823" cy="5734074"/>
+          </a:xfrm>
+          <a:prstGeom prst="rect">
+            <a:avLst/>
+          </a:prstGeom>
+        </p:spPr>
+      </p:pic>
+      <p:sp>
+        <p:nvSpPr>
+          <p:cNvPr id="6" name="吹き出し: 四角形 5">
+            <a:extLst>
+              <a:ext uri="{FF2B5EF4-FFF2-40B4-BE49-F238E27FC236}">
+                <a16:creationId xmlns:a16="http://schemas.microsoft.com/office/drawing/2014/main" id="{ACDFD8D4-7723-48A6-90DA-AC8B2E93AF05}"/>
+              </a:ext>
+            </a:extLst>
+          </p:cNvPr>
+          <p:cNvSpPr/>
+          <p:nvPr/>
+        </p:nvSpPr>
+        <p:spPr>
+          <a:xfrm>
+            <a:off x="819009" y="4836962"/>
+            <a:ext cx="2387036" cy="615572"/>
+          </a:xfrm>
+          <a:prstGeom prst="wedgeRectCallout">
+            <a:avLst>
+              <a:gd name="adj1" fmla="val -2802"/>
+              <a:gd name="adj2" fmla="val -91018"/>
+            </a:avLst>
+          </a:prstGeom>
+          <a:solidFill>
+            <a:srgbClr val="FFFFCC"/>
+          </a:solidFill>
+          <a:ln>
+            <a:solidFill>
+              <a:srgbClr val="FF0000"/>
+            </a:solidFill>
+          </a:ln>
+        </p:spPr>
+        <p:style>
+          <a:lnRef idx="2">
+            <a:schemeClr val="accent1">
+              <a:shade val="50000"/>
+            </a:schemeClr>
+          </a:lnRef>
+          <a:fillRef idx="1">
+            <a:schemeClr val="accent1"/>
+          </a:fillRef>
+          <a:effectRef idx="0">
+            <a:schemeClr val="accent1"/>
+          </a:effectRef>
+          <a:fontRef idx="minor">
+            <a:schemeClr val="lt1"/>
+          </a:fontRef>
+        </p:style>
+        <p:txBody>
+          <a:bodyPr rtlCol="0" anchor="ctr"/>
+          <a:lstStyle/>
+          <a:p>
+            <a:pPr algn="ctr"/>
+            <a:r>
+              <a:rPr kumimoji="1" lang="ja-JP" altLang="en-US" sz="1400" dirty="0">
+                <a:solidFill>
+                  <a:srgbClr val="FF0000"/>
+                </a:solidFill>
+              </a:rPr>
+              <a:t>③</a:t>
+            </a:r>
+            <a:r>
+              <a:rPr kumimoji="1" lang="en-US" altLang="ja-JP" sz="1400" dirty="0">
+                <a:solidFill>
+                  <a:srgbClr val="FF0000"/>
+                </a:solidFill>
+              </a:rPr>
+              <a:t>MAP</a:t>
+            </a:r>
+            <a:r>
+              <a:rPr kumimoji="1" lang="ja-JP" altLang="en-US" sz="1400" dirty="0">
+                <a:solidFill>
+                  <a:srgbClr val="FF0000"/>
+                </a:solidFill>
+              </a:rPr>
+              <a:t>に表示された点をクリックしてデータを表示</a:t>
+            </a:r>
+          </a:p>
+        </p:txBody>
+      </p:sp>
+    </p:spTree>
+    <p:extLst>
+      <p:ext uri="{BB962C8B-B14F-4D97-AF65-F5344CB8AC3E}">
+        <p14:creationId xmlns:p14="http://schemas.microsoft.com/office/powerpoint/2010/main" val="357158869"/>
+      </p:ext>
+    </p:extLst>
+  </p:cSld>
+  <p:clrMapOvr>
+    <a:masterClrMapping/>
+  </p:clrMapOvr>
+</p:sld>
+</file>
+
+<file path=ppt/slides/slide6.xml><?xml version="1.0" encoding="utf-8"?>
+<p:sld xmlns:a="http://schemas.openxmlformats.org/drawingml/2006/main" xmlns:r="http://schemas.openxmlformats.org/officeDocument/2006/relationships" xmlns:p="http://schemas.openxmlformats.org/presentationml/2006/main">
+  <p:cSld>
+    <p:spTree>
+      <p:nvGrpSpPr>
+        <p:cNvPr id="1" name=""/>
+        <p:cNvGrpSpPr/>
+        <p:nvPr/>
+      </p:nvGrpSpPr>
+      <p:grpSpPr>
+        <a:xfrm>
+          <a:off x="0" y="0"/>
+          <a:ext cx="0" cy="0"/>
+          <a:chOff x="0" y="0"/>
+          <a:chExt cx="0" cy="0"/>
+        </a:xfrm>
+      </p:grpSpPr>
+      <p:pic>
+        <p:nvPicPr>
+          <p:cNvPr id="3" name="図 2">
+            <a:extLst>
+              <a:ext uri="{FF2B5EF4-FFF2-40B4-BE49-F238E27FC236}">
+                <a16:creationId xmlns:a16="http://schemas.microsoft.com/office/drawing/2014/main" id="{6DDFB128-6D6E-41B3-855C-78BC56998CE2}"/>
+              </a:ext>
+            </a:extLst>
+          </p:cNvPr>
+          <p:cNvPicPr>
+            <a:picLocks noChangeAspect="1"/>
+          </p:cNvPicPr>
+          <p:nvPr/>
+        </p:nvPicPr>
+        <p:blipFill>
+          <a:blip r:embed="rId2"/>
+          <a:stretch>
+            <a:fillRect/>
+          </a:stretch>
+        </p:blipFill>
+        <p:spPr>
+          <a:xfrm>
+            <a:off x="333733" y="1151466"/>
+            <a:ext cx="6733320" cy="5627511"/>
+          </a:xfrm>
+          <a:prstGeom prst="rect">
+            <a:avLst/>
+          </a:prstGeom>
+        </p:spPr>
+      </p:pic>
+      <p:sp>
+        <p:nvSpPr>
+          <p:cNvPr id="4" name="タイトル 1">
+            <a:extLst>
+              <a:ext uri="{FF2B5EF4-FFF2-40B4-BE49-F238E27FC236}">
+                <a16:creationId xmlns:a16="http://schemas.microsoft.com/office/drawing/2014/main" id="{E3BB60A0-7336-4A05-92D9-93EFE17C0427}"/>
+              </a:ext>
+            </a:extLst>
+          </p:cNvPr>
+          <p:cNvSpPr>
+            <a:spLocks noGrp="1"/>
+          </p:cNvSpPr>
+          <p:nvPr>
+            <p:ph type="title"/>
+          </p:nvPr>
+        </p:nvSpPr>
+        <p:spPr>
+          <a:xfrm>
+            <a:off x="352778" y="240898"/>
+            <a:ext cx="10924822" cy="584835"/>
+          </a:xfrm>
+        </p:spPr>
+        <p:txBody>
+          <a:bodyPr>
+            <a:noAutofit/>
+          </a:bodyPr>
+          <a:lstStyle/>
+          <a:p>
+            <a:r>
+              <a:rPr kumimoji="1" lang="ja-JP" altLang="en-US" sz="3200" dirty="0"/>
+              <a:t>使い方の詳細④：</a:t>
+            </a:r>
+            <a:r>
+              <a:rPr lang="en-US" altLang="ja-JP" sz="3200" dirty="0"/>
+              <a:t> Google Map</a:t>
+            </a:r>
+            <a:r>
+              <a:rPr lang="ja-JP" altLang="en-US" sz="3200" dirty="0"/>
+              <a:t>を用いた経路検索</a:t>
+            </a:r>
+            <a:endParaRPr kumimoji="1" lang="ja-JP" altLang="en-US" sz="3200" b="1" dirty="0"/>
+          </a:p>
+        </p:txBody>
+      </p:sp>
+      <p:sp>
+        <p:nvSpPr>
+          <p:cNvPr id="5" name="テキスト ボックス 4">
+            <a:extLst>
+              <a:ext uri="{FF2B5EF4-FFF2-40B4-BE49-F238E27FC236}">
+                <a16:creationId xmlns:a16="http://schemas.microsoft.com/office/drawing/2014/main" id="{85E46ADE-679D-4D4D-97B3-FCA2B723229B}"/>
+              </a:ext>
+            </a:extLst>
+          </p:cNvPr>
+          <p:cNvSpPr txBox="1"/>
+          <p:nvPr/>
+        </p:nvSpPr>
+        <p:spPr>
+          <a:xfrm>
+            <a:off x="7416800" y="949961"/>
+            <a:ext cx="4673600" cy="1477328"/>
+          </a:xfrm>
+          <a:prstGeom prst="rect">
+            <a:avLst/>
+          </a:prstGeom>
+          <a:noFill/>
+        </p:spPr>
+        <p:txBody>
+          <a:bodyPr wrap="square" rtlCol="0">
+            <a:spAutoFit/>
+          </a:bodyPr>
+          <a:lstStyle/>
+          <a:p>
+            <a:r>
+              <a:rPr lang="ja-JP" altLang="en-US" dirty="0"/>
+              <a:t>「経路検索」に表示されるリンクをクリックすると，別ウィンドウ（タブ）で，「現在地」から「選択したデータの場所」までの</a:t>
+            </a:r>
+            <a:r>
+              <a:rPr lang="en-US" altLang="ja-JP" dirty="0"/>
+              <a:t>Google Map</a:t>
+            </a:r>
+            <a:r>
+              <a:rPr lang="ja-JP" altLang="en-US" dirty="0"/>
+              <a:t>を用いた経路検索結果が表示される．</a:t>
+            </a:r>
+            <a:endParaRPr kumimoji="1" lang="ja-JP" altLang="en-US" dirty="0"/>
+          </a:p>
+        </p:txBody>
+      </p:sp>
+    </p:spTree>
+    <p:extLst>
+      <p:ext uri="{BB962C8B-B14F-4D97-AF65-F5344CB8AC3E}">
+        <p14:creationId xmlns:p14="http://schemas.microsoft.com/office/powerpoint/2010/main" val="2812271785"/>
+      </p:ext>
+    </p:extLst>
+  </p:cSld>
+  <p:clrMapOvr>
+    <a:masterClrMapping/>
+  </p:clrMapOvr>
+</p:sld>
+</file>
+
+<file path=ppt/slides/slide7.xml><?xml version="1.0" encoding="utf-8"?>
+<p:sld xmlns:a="http://schemas.openxmlformats.org/drawingml/2006/main" xmlns:r="http://schemas.openxmlformats.org/officeDocument/2006/relationships" xmlns:p="http://schemas.openxmlformats.org/presentationml/2006/main">
+  <p:cSld>
+    <p:spTree>
+      <p:nvGrpSpPr>
+        <p:cNvPr id="1" name=""/>
+        <p:cNvGrpSpPr/>
+        <p:nvPr/>
+      </p:nvGrpSpPr>
+      <p:grpSpPr>
+        <a:xfrm>
+          <a:off x="0" y="0"/>
+          <a:ext cx="0" cy="0"/>
+          <a:chOff x="0" y="0"/>
+          <a:chExt cx="0" cy="0"/>
+        </a:xfrm>
+      </p:grpSpPr>
+      <p:sp>
+        <p:nvSpPr>
+          <p:cNvPr id="4" name="タイトル 1">
+            <a:extLst>
+              <a:ext uri="{FF2B5EF4-FFF2-40B4-BE49-F238E27FC236}">
+                <a16:creationId xmlns:a16="http://schemas.microsoft.com/office/drawing/2014/main" id="{E3BB60A0-7336-4A05-92D9-93EFE17C0427}"/>
+              </a:ext>
+            </a:extLst>
+          </p:cNvPr>
+          <p:cNvSpPr>
+            <a:spLocks noGrp="1"/>
+          </p:cNvSpPr>
+          <p:nvPr>
+            <p:ph type="title"/>
+          </p:nvPr>
+        </p:nvSpPr>
+        <p:spPr>
+          <a:xfrm>
+            <a:off x="352778" y="240898"/>
+            <a:ext cx="10924822" cy="584835"/>
+          </a:xfrm>
+        </p:spPr>
+        <p:txBody>
+          <a:bodyPr>
+            <a:noAutofit/>
+          </a:bodyPr>
+          <a:lstStyle/>
+          <a:p>
+            <a:r>
+              <a:rPr kumimoji="1" lang="ja-JP" altLang="en-US" sz="3200" dirty="0"/>
+              <a:t>使い方の詳細⑤：</a:t>
+            </a:r>
+            <a:r>
+              <a:rPr lang="en-US" altLang="ja-JP" sz="3200" dirty="0"/>
+              <a:t> </a:t>
+            </a:r>
+            <a:r>
+              <a:rPr lang="en-US" altLang="ja-JP" sz="3200" dirty="0" err="1"/>
+              <a:t>Wikidata</a:t>
+            </a:r>
+            <a:r>
+              <a:rPr lang="ja-JP" altLang="en-US" sz="3200" dirty="0" err="1"/>
+              <a:t>での</a:t>
+            </a:r>
+            <a:r>
+              <a:rPr lang="ja-JP" altLang="en-US" sz="3200" dirty="0"/>
+              <a:t>定義内容の確認</a:t>
+            </a:r>
+            <a:endParaRPr kumimoji="1" lang="ja-JP" altLang="en-US" sz="3200" b="1" dirty="0"/>
+          </a:p>
+        </p:txBody>
+      </p:sp>
+      <p:sp>
+        <p:nvSpPr>
+          <p:cNvPr id="5" name="テキスト ボックス 4">
+            <a:extLst>
+              <a:ext uri="{FF2B5EF4-FFF2-40B4-BE49-F238E27FC236}">
+                <a16:creationId xmlns:a16="http://schemas.microsoft.com/office/drawing/2014/main" id="{85E46ADE-679D-4D4D-97B3-FCA2B723229B}"/>
+              </a:ext>
+            </a:extLst>
+          </p:cNvPr>
+          <p:cNvSpPr txBox="1"/>
+          <p:nvPr/>
+        </p:nvSpPr>
+        <p:spPr>
+          <a:xfrm>
+            <a:off x="7416800" y="949961"/>
+            <a:ext cx="4673600" cy="1477328"/>
+          </a:xfrm>
+          <a:prstGeom prst="rect">
+            <a:avLst/>
+          </a:prstGeom>
+          <a:noFill/>
+        </p:spPr>
+        <p:txBody>
+          <a:bodyPr wrap="square" rtlCol="0">
+            <a:spAutoFit/>
+          </a:bodyPr>
+          <a:lstStyle/>
+          <a:p>
+            <a:r>
+              <a:rPr lang="ja-JP" altLang="en-US" dirty="0"/>
+              <a:t>「経路検索」に表示されるリンクをクリックすると，別ウィンドウ（タブ）で，「現在地」から「選択したデータの場所」までの</a:t>
+            </a:r>
+            <a:r>
+              <a:rPr lang="en-US" altLang="ja-JP" dirty="0"/>
+              <a:t>Google Map</a:t>
+            </a:r>
+            <a:r>
+              <a:rPr lang="ja-JP" altLang="en-US" dirty="0"/>
+              <a:t>を用いた経路検索結果が表示される．</a:t>
+            </a:r>
+            <a:endParaRPr kumimoji="1" lang="ja-JP" altLang="en-US" dirty="0"/>
+          </a:p>
+        </p:txBody>
+      </p:sp>
+      <p:pic>
+        <p:nvPicPr>
+          <p:cNvPr id="6" name="図 5">
+            <a:extLst>
+              <a:ext uri="{FF2B5EF4-FFF2-40B4-BE49-F238E27FC236}">
+                <a16:creationId xmlns:a16="http://schemas.microsoft.com/office/drawing/2014/main" id="{6053A4EA-F568-4EE9-821F-04026BC69C66}"/>
+              </a:ext>
+            </a:extLst>
+          </p:cNvPr>
+          <p:cNvPicPr>
+            <a:picLocks noChangeAspect="1"/>
+          </p:cNvPicPr>
+          <p:nvPr/>
+        </p:nvPicPr>
+        <p:blipFill rotWithShape="1">
+          <a:blip r:embed="rId2"/>
+          <a:srcRect t="23755" r="54299" b="35492"/>
+          <a:stretch/>
+        </p:blipFill>
+        <p:spPr>
+          <a:xfrm>
+            <a:off x="101600" y="949961"/>
+            <a:ext cx="5104634" cy="3804355"/>
+          </a:xfrm>
+          <a:prstGeom prst="rect">
+            <a:avLst/>
+          </a:prstGeom>
+        </p:spPr>
+      </p:pic>
+      <p:sp>
+        <p:nvSpPr>
+          <p:cNvPr id="2" name="四角形: 角を丸くする 1">
+            <a:extLst>
+              <a:ext uri="{FF2B5EF4-FFF2-40B4-BE49-F238E27FC236}">
+                <a16:creationId xmlns:a16="http://schemas.microsoft.com/office/drawing/2014/main" id="{2172D34F-734E-4981-8C27-61DCC3920361}"/>
+              </a:ext>
+            </a:extLst>
+          </p:cNvPr>
+          <p:cNvSpPr/>
+          <p:nvPr/>
+        </p:nvSpPr>
+        <p:spPr>
+          <a:xfrm>
+            <a:off x="767644" y="3668889"/>
+            <a:ext cx="3646312" cy="428977"/>
+          </a:xfrm>
+          <a:prstGeom prst="roundRect">
+            <a:avLst/>
+          </a:prstGeom>
+          <a:noFill/>
+          <a:ln w="28575">
+            <a:solidFill>
+              <a:srgbClr val="00B050"/>
+            </a:solidFill>
+          </a:ln>
+        </p:spPr>
+        <p:style>
+          <a:lnRef idx="2">
+            <a:schemeClr val="accent1">
+              <a:shade val="50000"/>
+            </a:schemeClr>
+          </a:lnRef>
+          <a:fillRef idx="1">
+            <a:schemeClr val="accent1"/>
+          </a:fillRef>
+          <a:effectRef idx="0">
+            <a:schemeClr val="accent1"/>
+          </a:effectRef>
+          <a:fontRef idx="minor">
+            <a:schemeClr val="lt1"/>
+          </a:fontRef>
+        </p:style>
+        <p:txBody>
+          <a:bodyPr rtlCol="0" anchor="ctr"/>
+          <a:lstStyle/>
+          <a:p>
+            <a:pPr algn="ctr"/>
+            <a:endParaRPr kumimoji="1" lang="ja-JP" altLang="en-US"/>
+          </a:p>
+        </p:txBody>
+      </p:sp>
+      <p:sp>
+        <p:nvSpPr>
+          <p:cNvPr id="7" name="四角形: 角を丸くする 6">
+            <a:extLst>
+              <a:ext uri="{FF2B5EF4-FFF2-40B4-BE49-F238E27FC236}">
+                <a16:creationId xmlns:a16="http://schemas.microsoft.com/office/drawing/2014/main" id="{C7C63F77-510B-4E49-B501-FAD23BCFAB39}"/>
+              </a:ext>
+            </a:extLst>
+          </p:cNvPr>
+          <p:cNvSpPr/>
+          <p:nvPr/>
+        </p:nvSpPr>
+        <p:spPr>
+          <a:xfrm>
+            <a:off x="767644" y="4143022"/>
+            <a:ext cx="1106312" cy="214489"/>
+          </a:xfrm>
+          <a:prstGeom prst="roundRect">
+            <a:avLst/>
+          </a:prstGeom>
+          <a:noFill/>
+          <a:ln w="28575">
+            <a:solidFill>
+              <a:srgbClr val="FFC000"/>
+            </a:solidFill>
+          </a:ln>
+        </p:spPr>
+        <p:style>
+          <a:lnRef idx="2">
+            <a:schemeClr val="accent1">
+              <a:shade val="50000"/>
+            </a:schemeClr>
+          </a:lnRef>
+          <a:fillRef idx="1">
+            <a:schemeClr val="accent1"/>
+          </a:fillRef>
+          <a:effectRef idx="0">
+            <a:schemeClr val="accent1"/>
+          </a:effectRef>
+          <a:fontRef idx="minor">
+            <a:schemeClr val="lt1"/>
+          </a:fontRef>
+        </p:style>
+        <p:txBody>
+          <a:bodyPr rtlCol="0" anchor="ctr"/>
+          <a:lstStyle/>
+          <a:p>
+            <a:pPr algn="ctr"/>
+            <a:endParaRPr kumimoji="1" lang="ja-JP" altLang="en-US"/>
+          </a:p>
+        </p:txBody>
+      </p:sp>
+    </p:spTree>
+    <p:extLst>
+      <p:ext uri="{BB962C8B-B14F-4D97-AF65-F5344CB8AC3E}">
+        <p14:creationId xmlns:p14="http://schemas.microsoft.com/office/powerpoint/2010/main" val="726870817"/>
+      </p:ext>
+    </p:extLst>
+  </p:cSld>
+  <p:clrMapOvr>
+    <a:masterClrMapping/>
+  </p:clrMapOvr>
+</p:sld>
+</file>
+
+<file path=ppt/slides/slide8.xml><?xml version="1.0" encoding="utf-8"?>
+<p:sld xmlns:a="http://schemas.openxmlformats.org/drawingml/2006/main" xmlns:r="http://schemas.openxmlformats.org/officeDocument/2006/relationships" xmlns:p="http://schemas.openxmlformats.org/presentationml/2006/main">
+  <p:cSld>
+    <p:spTree>
+      <p:nvGrpSpPr>
+        <p:cNvPr id="1" name=""/>
+        <p:cNvGrpSpPr/>
+        <p:nvPr/>
+      </p:nvGrpSpPr>
+      <p:grpSpPr>
+        <a:xfrm>
+          <a:off x="0" y="0"/>
+          <a:ext cx="0" cy="0"/>
+          <a:chOff x="0" y="0"/>
+          <a:chExt cx="0" cy="0"/>
+        </a:xfrm>
+      </p:grpSpPr>
+      <p:sp>
+        <p:nvSpPr>
+          <p:cNvPr id="2" name="タイトル 1">
+            <a:extLst>
+              <a:ext uri="{FF2B5EF4-FFF2-40B4-BE49-F238E27FC236}">
+                <a16:creationId xmlns:a16="http://schemas.microsoft.com/office/drawing/2014/main" id="{75D36618-D843-466B-92EF-E8529AFEB3C5}"/>
+              </a:ext>
+            </a:extLst>
+          </p:cNvPr>
+          <p:cNvSpPr>
+            <a:spLocks noGrp="1"/>
+          </p:cNvSpPr>
+          <p:nvPr>
+            <p:ph type="title"/>
+          </p:nvPr>
+        </p:nvSpPr>
+        <p:spPr>
+          <a:xfrm>
             <a:off x="838200" y="365125"/>
             <a:ext cx="10515600" cy="584835"/>
           </a:xfrm>
@@ -4532,6 +5838,66 @@
           </a:p>
         </p:txBody>
       </p:sp>
+      <p:pic>
+        <p:nvPicPr>
+          <p:cNvPr id="3" name="図 2">
+            <a:extLst>
+              <a:ext uri="{FF2B5EF4-FFF2-40B4-BE49-F238E27FC236}">
+                <a16:creationId xmlns:a16="http://schemas.microsoft.com/office/drawing/2014/main" id="{2FEAD35F-5E90-4A21-A779-83FEFE728FF9}"/>
+              </a:ext>
+            </a:extLst>
+          </p:cNvPr>
+          <p:cNvPicPr>
+            <a:picLocks noChangeAspect="1"/>
+          </p:cNvPicPr>
+          <p:nvPr/>
+        </p:nvPicPr>
+        <p:blipFill>
+          <a:blip r:embed="rId2"/>
+          <a:stretch>
+            <a:fillRect/>
+          </a:stretch>
+        </p:blipFill>
+        <p:spPr>
+          <a:xfrm>
+            <a:off x="318430" y="949960"/>
+            <a:ext cx="6590370" cy="5874026"/>
+          </a:xfrm>
+          <a:prstGeom prst="rect">
+            <a:avLst/>
+          </a:prstGeom>
+        </p:spPr>
+      </p:pic>
+      <p:pic>
+        <p:nvPicPr>
+          <p:cNvPr id="4" name="図 3">
+            <a:extLst>
+              <a:ext uri="{FF2B5EF4-FFF2-40B4-BE49-F238E27FC236}">
+                <a16:creationId xmlns:a16="http://schemas.microsoft.com/office/drawing/2014/main" id="{9D254216-3813-4CE3-9041-C4169DFDBEB8}"/>
+              </a:ext>
+            </a:extLst>
+          </p:cNvPr>
+          <p:cNvPicPr>
+            <a:picLocks noChangeAspect="1"/>
+          </p:cNvPicPr>
+          <p:nvPr/>
+        </p:nvPicPr>
+        <p:blipFill>
+          <a:blip r:embed="rId3"/>
+          <a:stretch>
+            <a:fillRect/>
+          </a:stretch>
+        </p:blipFill>
+        <p:spPr>
+          <a:xfrm>
+            <a:off x="5330694" y="438573"/>
+            <a:ext cx="6398462" cy="5702977"/>
+          </a:xfrm>
+          <a:prstGeom prst="rect">
+            <a:avLst/>
+          </a:prstGeom>
+        </p:spPr>
+      </p:pic>
     </p:spTree>
     <p:extLst>
       <p:ext uri="{BB962C8B-B14F-4D97-AF65-F5344CB8AC3E}">

--- a/doc/WikidataMapVIS説明図.pptx
+++ b/doc/WikidataMapVIS説明図.pptx
@@ -8,11 +8,11 @@
     <p:sldId id="256" r:id="rId2"/>
     <p:sldId id="257" r:id="rId3"/>
     <p:sldId id="258" r:id="rId4"/>
-    <p:sldId id="260" r:id="rId5"/>
-    <p:sldId id="261" r:id="rId6"/>
-    <p:sldId id="262" r:id="rId7"/>
-    <p:sldId id="263" r:id="rId8"/>
-    <p:sldId id="259" r:id="rId9"/>
+    <p:sldId id="261" r:id="rId5"/>
+    <p:sldId id="262" r:id="rId6"/>
+    <p:sldId id="263" r:id="rId7"/>
+    <p:sldId id="259" r:id="rId8"/>
+    <p:sldId id="264" r:id="rId9"/>
   </p:sldIdLst>
   <p:sldSz cx="12192000" cy="6858000"/>
   <p:notesSz cx="6858000" cy="9144000"/>
@@ -3782,7 +3782,7 @@
         </p:blipFill>
         <p:spPr>
           <a:xfrm>
-            <a:off x="130077" y="1219200"/>
+            <a:off x="288827" y="754697"/>
             <a:ext cx="5523760" cy="5049520"/>
           </a:xfrm>
           <a:prstGeom prst="rect">
@@ -3812,7 +3812,7 @@
         </p:blipFill>
         <p:spPr>
           <a:xfrm>
-            <a:off x="5753636" y="1219200"/>
+            <a:off x="5912386" y="754697"/>
             <a:ext cx="5523760" cy="5049520"/>
           </a:xfrm>
           <a:prstGeom prst="rect">
@@ -3834,7 +3834,7 @@
         </p:nvSpPr>
         <p:spPr>
           <a:xfrm>
-            <a:off x="2621281" y="3464560"/>
+            <a:off x="2780031" y="3000057"/>
             <a:ext cx="2585720" cy="462280"/>
           </a:xfrm>
           <a:prstGeom prst="wedgeRectCallout">
@@ -3930,7 +3930,7 @@
         </p:nvSpPr>
         <p:spPr>
           <a:xfrm>
-            <a:off x="2875280" y="4531360"/>
+            <a:off x="3034030" y="4066857"/>
             <a:ext cx="2199640" cy="360680"/>
           </a:xfrm>
           <a:prstGeom prst="roundRect">
@@ -3982,7 +3982,7 @@
         </p:nvSpPr>
         <p:spPr>
           <a:xfrm>
-            <a:off x="5074920" y="5154930"/>
+            <a:off x="5233670" y="4690427"/>
             <a:ext cx="1722119" cy="763270"/>
           </a:xfrm>
           <a:prstGeom prst="wedgeRectCallout">
@@ -4070,7 +4070,7 @@
         </p:nvSpPr>
         <p:spPr>
           <a:xfrm rot="21223007">
-            <a:off x="5242125" y="4338018"/>
+            <a:off x="5400875" y="3873515"/>
             <a:ext cx="1939505" cy="466090"/>
           </a:xfrm>
           <a:prstGeom prst="rightArrow">
@@ -4124,7 +4124,7 @@
         </p:nvSpPr>
         <p:spPr>
           <a:xfrm>
-            <a:off x="5582922" y="3647961"/>
+            <a:off x="5741672" y="3183458"/>
             <a:ext cx="1402079" cy="462280"/>
           </a:xfrm>
           <a:prstGeom prst="wedgeRectCallout">
@@ -4204,7 +4204,7 @@
         </p:nvSpPr>
         <p:spPr>
           <a:xfrm>
-            <a:off x="9768637" y="3139961"/>
+            <a:off x="9927387" y="2675458"/>
             <a:ext cx="1402079" cy="462280"/>
           </a:xfrm>
           <a:prstGeom prst="wedgeRectCallout">
@@ -4292,7 +4292,7 @@
         </p:nvSpPr>
         <p:spPr>
           <a:xfrm>
-            <a:off x="9768636" y="4028440"/>
+            <a:off x="9927386" y="3563937"/>
             <a:ext cx="1402079" cy="462280"/>
           </a:xfrm>
           <a:prstGeom prst="wedgeRectCallout">
@@ -4389,20 +4389,134 @@
         </p:nvSpPr>
         <p:spPr>
           <a:xfrm>
-            <a:off x="838200" y="365125"/>
-            <a:ext cx="10515600" cy="686435"/>
+            <a:off x="288827" y="68262"/>
+            <a:ext cx="3683000" cy="686435"/>
           </a:xfrm>
         </p:spPr>
         <p:txBody>
           <a:bodyPr>
-            <a:normAutofit fontScale="90000"/>
+            <a:normAutofit/>
           </a:bodyPr>
           <a:lstStyle/>
           <a:p>
             <a:r>
-              <a:rPr kumimoji="1" lang="ja-JP" altLang="en-US" b="1" dirty="0"/>
-              <a:t>ツールの概要図</a:t>
-            </a:r>
+              <a:rPr kumimoji="1" lang="ja-JP" altLang="en-US" sz="3600" b="1" dirty="0">
+                <a:latin typeface="+mn-ea"/>
+                <a:ea typeface="+mn-ea"/>
+              </a:rPr>
+              <a:t>ツールの概要</a:t>
+            </a:r>
+          </a:p>
+        </p:txBody>
+      </p:sp>
+      <p:sp>
+        <p:nvSpPr>
+          <p:cNvPr id="2" name="テキスト ボックス 1">
+            <a:extLst>
+              <a:ext uri="{FF2B5EF4-FFF2-40B4-BE49-F238E27FC236}">
+                <a16:creationId xmlns:a16="http://schemas.microsoft.com/office/drawing/2014/main" id="{3DE33E33-78CA-4DB2-B01C-000E77C101B4}"/>
+              </a:ext>
+            </a:extLst>
+          </p:cNvPr>
+          <p:cNvSpPr txBox="1"/>
+          <p:nvPr/>
+        </p:nvSpPr>
+        <p:spPr>
+          <a:xfrm>
+            <a:off x="149127" y="5828308"/>
+            <a:ext cx="11687273" cy="923330"/>
+          </a:xfrm>
+          <a:prstGeom prst="rect">
+            <a:avLst/>
+          </a:prstGeom>
+          <a:noFill/>
+        </p:spPr>
+        <p:txBody>
+          <a:bodyPr wrap="square" rtlCol="0">
+            <a:spAutoFit/>
+          </a:bodyPr>
+          <a:lstStyle/>
+          <a:p>
+            <a:r>
+              <a:rPr lang="en-US" altLang="ja-JP" dirty="0" err="1"/>
+              <a:t>Wikidata</a:t>
+            </a:r>
+            <a:r>
+              <a:rPr lang="ja-JP" altLang="en-US" dirty="0"/>
+              <a:t>のクエリサービス（</a:t>
+            </a:r>
+            <a:r>
+              <a:rPr lang="en-US" altLang="ja-JP" dirty="0"/>
+              <a:t>SPARQL</a:t>
+            </a:r>
+            <a:r>
+              <a:rPr lang="ja-JP" altLang="en-US" dirty="0"/>
+              <a:t>エンドポイント）を使い，経路検索付きの</a:t>
+            </a:r>
+            <a:r>
+              <a:rPr lang="en-US" altLang="ja-JP" dirty="0"/>
+              <a:t>MAP</a:t>
+            </a:r>
+            <a:r>
+              <a:rPr lang="ja-JP" altLang="en-US" dirty="0" err="1"/>
+              <a:t>を簡</a:t>
+            </a:r>
+            <a:r>
+              <a:rPr lang="ja-JP" altLang="en-US" dirty="0"/>
+              <a:t>単に生成するサービス．</a:t>
+            </a:r>
+            <a:endParaRPr lang="en-US" altLang="ja-JP" dirty="0"/>
+          </a:p>
+          <a:p>
+            <a:r>
+              <a:rPr lang="en-US" altLang="ja-JP" dirty="0"/>
+              <a:t>MAP</a:t>
+            </a:r>
+            <a:r>
+              <a:rPr lang="ja-JP" altLang="en-US" dirty="0"/>
+              <a:t>に表示したいデータの </a:t>
+            </a:r>
+            <a:r>
+              <a:rPr lang="ja-JP" altLang="en-US" b="1" dirty="0"/>
+              <a:t>「具体例」</a:t>
+            </a:r>
+            <a:r>
+              <a:rPr lang="ja-JP" altLang="en-US" dirty="0"/>
+              <a:t> を検索し，そのデータの</a:t>
+            </a:r>
+            <a:r>
+              <a:rPr lang="en-US" altLang="ja-JP" dirty="0" err="1"/>
+              <a:t>Wikidata</a:t>
+            </a:r>
+            <a:r>
+              <a:rPr lang="ja-JP" altLang="en-US" dirty="0"/>
+              <a:t>上での </a:t>
+            </a:r>
+            <a:r>
+              <a:rPr lang="ja-JP" altLang="en-US" b="1" dirty="0"/>
+              <a:t>「分類」</a:t>
+            </a:r>
+            <a:r>
+              <a:rPr lang="ja-JP" altLang="en-US" dirty="0"/>
+              <a:t> を選択することで，</a:t>
+            </a:r>
+            <a:r>
+              <a:rPr lang="ja-JP" altLang="en-US" b="1" dirty="0"/>
+              <a:t>「いろいろな分類の</a:t>
+            </a:r>
+            <a:r>
+              <a:rPr lang="en-US" altLang="ja-JP" b="1" dirty="0"/>
+              <a:t>MAP</a:t>
+            </a:r>
+            <a:r>
+              <a:rPr lang="ja-JP" altLang="en-US" b="1" dirty="0"/>
+              <a:t>」</a:t>
+            </a:r>
+            <a:r>
+              <a:rPr lang="ja-JP" altLang="en-US" dirty="0"/>
+              <a:t> が生成できる．</a:t>
+            </a:r>
+            <a:endParaRPr kumimoji="1" lang="ja-JP" altLang="en-US" dirty="0"/>
           </a:p>
         </p:txBody>
       </p:sp>
@@ -4454,7 +4568,7 @@
         </p:nvSpPr>
         <p:spPr>
           <a:xfrm>
-            <a:off x="352778" y="240898"/>
+            <a:off x="524617" y="205150"/>
             <a:ext cx="10515600" cy="584835"/>
           </a:xfrm>
         </p:spPr>
@@ -4465,11 +4579,30 @@
           <a:lstStyle/>
           <a:p>
             <a:r>
-              <a:rPr kumimoji="1" lang="ja-JP" altLang="en-US" sz="3200" dirty="0"/>
-              <a:t>使い方の詳細①：</a:t>
-            </a:r>
-            <a:r>
-              <a:rPr kumimoji="1" lang="ja-JP" altLang="en-US" sz="3200" b="1" dirty="0"/>
+              <a:rPr kumimoji="1" lang="ja-JP" altLang="en-US" sz="3200" b="1" dirty="0">
+                <a:solidFill>
+                  <a:srgbClr val="0000FF"/>
+                </a:solidFill>
+                <a:latin typeface="+mn-ea"/>
+                <a:ea typeface="+mn-ea"/>
+              </a:rPr>
+              <a:t>使い方の詳細</a:t>
+            </a:r>
+            <a:r>
+              <a:rPr kumimoji="1" lang="ja-JP" altLang="en-US" sz="3200" dirty="0">
+                <a:solidFill>
+                  <a:srgbClr val="0000FF"/>
+                </a:solidFill>
+                <a:latin typeface="+mn-ea"/>
+                <a:ea typeface="+mn-ea"/>
+              </a:rPr>
+              <a:t>：</a:t>
+            </a:r>
+            <a:r>
+              <a:rPr kumimoji="1" lang="ja-JP" altLang="en-US" sz="3200" b="1" dirty="0">
+                <a:latin typeface="+mn-ea"/>
+                <a:ea typeface="+mn-ea"/>
+              </a:rPr>
               <a:t>表示したいデータの「具体例」を検索</a:t>
             </a:r>
           </a:p>
@@ -4497,7 +4630,7 @@
         </p:blipFill>
         <p:spPr>
           <a:xfrm>
-            <a:off x="524617" y="949960"/>
+            <a:off x="327767" y="789985"/>
             <a:ext cx="6776727" cy="5663789"/>
           </a:xfrm>
           <a:prstGeom prst="rect">
@@ -4519,7 +4652,7 @@
         </p:nvSpPr>
         <p:spPr>
           <a:xfrm>
-            <a:off x="3383792" y="3474156"/>
+            <a:off x="3186942" y="3314181"/>
             <a:ext cx="3502429" cy="529141"/>
           </a:xfrm>
           <a:prstGeom prst="wedgeRectCallout">
@@ -4623,8 +4756,8 @@
         </p:nvSpPr>
         <p:spPr>
           <a:xfrm>
-            <a:off x="7416800" y="949961"/>
-            <a:ext cx="4673600" cy="5909310"/>
+            <a:off x="7213600" y="852241"/>
+            <a:ext cx="4908550" cy="5601533"/>
           </a:xfrm>
           <a:prstGeom prst="rect">
             <a:avLst/>
@@ -4647,15 +4780,26 @@
             </a:r>
             <a:r>
               <a:rPr lang="ja-JP" altLang="en-US" dirty="0"/>
-              <a:t>で表示したいデータの「具体例（</a:t>
-            </a:r>
-            <a:r>
+              <a:t>で表示したいデータの</a:t>
+            </a:r>
+            <a:br>
               <a:rPr lang="en-US" altLang="ja-JP" dirty="0"/>
+            </a:br>
+            <a:r>
+              <a:rPr lang="ja-JP" altLang="en-US" b="1" dirty="0"/>
+              <a:t>「具体例（</a:t>
+            </a:r>
+            <a:r>
+              <a:rPr lang="en-US" altLang="ja-JP" b="1" dirty="0"/>
               <a:t>※</a:t>
             </a:r>
             <a:r>
+              <a:rPr lang="ja-JP" altLang="en-US" b="1" dirty="0"/>
+              <a:t>）」</a:t>
+            </a:r>
+            <a:r>
               <a:rPr lang="ja-JP" altLang="en-US" dirty="0"/>
-              <a:t>）」を入れて検索を実行する</a:t>
+              <a:t>を入れて検索を実行する</a:t>
             </a:r>
             <a:endParaRPr lang="en-US" altLang="ja-JP" dirty="0"/>
           </a:p>
@@ -4663,10 +4807,10 @@
             <a:endParaRPr lang="en-US" altLang="ja-JP" dirty="0"/>
           </a:p>
           <a:p>
-            <a:r>
-              <a:rPr lang="en-US" altLang="ja-JP" dirty="0"/>
-              <a:t>※</a:t>
-            </a:r>
+            <a:pPr marL="285750" indent="-285750">
+              <a:buFont typeface="游ゴシック" panose="020B0400000000000000" pitchFamily="50" charset="-128"/>
+              <a:buChar char="※"/>
+            </a:pPr>
             <a:r>
               <a:rPr lang="ja-JP" altLang="en-US" dirty="0"/>
               <a:t>「神社の</a:t>
@@ -4677,7 +4821,7 @@
             </a:r>
             <a:r>
               <a:rPr lang="ja-JP" altLang="en-US" dirty="0"/>
-              <a:t>」を作りたいのであれば「出雲大社」，「空港の</a:t>
+              <a:t>」であれば「出雲大社」，「空港の</a:t>
             </a:r>
             <a:r>
               <a:rPr lang="en-US" altLang="ja-JP" dirty="0"/>
@@ -4685,27 +4829,31 @@
             </a:r>
             <a:r>
               <a:rPr lang="ja-JP" altLang="en-US" dirty="0"/>
-              <a:t>」を作りたのいであれば「関西空港」など，</a:t>
-            </a:r>
-            <a:r>
-              <a:rPr lang="en-US" altLang="ja-JP" dirty="0"/>
+              <a:t>」であれば「関西空港」など，</a:t>
+            </a:r>
+            <a:r>
+              <a:rPr lang="en-US" altLang="ja-JP" b="1" u="sng" dirty="0"/>
               <a:t>MAP</a:t>
             </a:r>
             <a:r>
+              <a:rPr lang="ja-JP" altLang="en-US" b="1" u="sng" dirty="0"/>
+              <a:t>で表示したい「分類」に当てはまる具体例</a:t>
+            </a:r>
+            <a:r>
               <a:rPr lang="ja-JP" altLang="en-US" dirty="0"/>
-              <a:t>で表示したい「分類」に当てはまる具体例を入れる．</a:t>
+              <a:t>を入れる．</a:t>
             </a:r>
             <a:endParaRPr lang="en-US" altLang="ja-JP" dirty="0"/>
           </a:p>
           <a:p>
-            <a:endParaRPr lang="en-US" altLang="ja-JP" dirty="0"/>
-          </a:p>
-          <a:p>
-            <a:r>
-              <a:rPr lang="ja-JP" altLang="en-US" dirty="0"/>
-              <a:t>うまく見つからないときは，検索のオプション</a:t>
-            </a:r>
-            <a:endParaRPr lang="en-US" altLang="ja-JP" dirty="0"/>
+            <a:endParaRPr lang="en-US" altLang="ja-JP" sz="1600" dirty="0"/>
+          </a:p>
+          <a:p>
+            <a:r>
+              <a:rPr lang="ja-JP" altLang="en-US" sz="1600" dirty="0"/>
+              <a:t>うまく見つからないときは，検索オプション</a:t>
+            </a:r>
+            <a:endParaRPr lang="en-US" altLang="ja-JP" sz="1600" dirty="0"/>
           </a:p>
           <a:p>
             <a:pPr marL="742950" lvl="1" indent="-285750">
@@ -4713,14 +4861,14 @@
               <a:buChar char="•"/>
             </a:pPr>
             <a:r>
-              <a:rPr lang="ja-JP" altLang="en-US" b="1" dirty="0"/>
+              <a:rPr lang="ja-JP" altLang="en-US" sz="1600" b="1" dirty="0"/>
               <a:t>完全一致</a:t>
             </a:r>
             <a:r>
-              <a:rPr lang="ja-JP" altLang="en-US" dirty="0"/>
+              <a:rPr lang="ja-JP" altLang="en-US" sz="1600" dirty="0"/>
               <a:t>：「ラベル」か「別名」が完全位置するものを検索</a:t>
             </a:r>
-            <a:endParaRPr lang="en-US" altLang="ja-JP" dirty="0"/>
+            <a:endParaRPr lang="en-US" altLang="ja-JP" sz="1600" dirty="0"/>
           </a:p>
           <a:p>
             <a:pPr marL="742950" lvl="1" indent="-285750">
@@ -4728,14 +4876,14 @@
               <a:buChar char="•"/>
             </a:pPr>
             <a:r>
-              <a:rPr lang="ja-JP" altLang="en-US" b="1" dirty="0"/>
+              <a:rPr lang="ja-JP" altLang="en-US" sz="1600" b="1" dirty="0"/>
               <a:t>前方一致</a:t>
             </a:r>
             <a:r>
-              <a:rPr lang="ja-JP" altLang="en-US" dirty="0"/>
+              <a:rPr lang="ja-JP" altLang="en-US" sz="1600" dirty="0"/>
               <a:t>：「ラベル」か「別名」に前方一致するものを検索</a:t>
             </a:r>
-            <a:endParaRPr lang="en-US" altLang="ja-JP" dirty="0"/>
+            <a:endParaRPr lang="en-US" altLang="ja-JP" sz="1600" dirty="0"/>
           </a:p>
           <a:p>
             <a:pPr marL="742950" lvl="1" indent="-285750">
@@ -4743,30 +4891,137 @@
               <a:buChar char="•"/>
             </a:pPr>
             <a:r>
-              <a:rPr lang="ja-JP" altLang="en-US" b="1" dirty="0"/>
+              <a:rPr lang="ja-JP" altLang="en-US" sz="1600" b="1" dirty="0"/>
               <a:t>あいまい検索</a:t>
             </a:r>
             <a:r>
-              <a:rPr lang="ja-JP" altLang="en-US" dirty="0"/>
+              <a:rPr lang="ja-JP" altLang="en-US" sz="1600" dirty="0"/>
               <a:t>：概要説明などを含めてより広く検索</a:t>
             </a:r>
-            <a:endParaRPr lang="en-US" altLang="ja-JP" dirty="0"/>
-          </a:p>
-          <a:p>
-            <a:r>
-              <a:rPr lang="ja-JP" altLang="en-US" dirty="0"/>
+            <a:endParaRPr lang="en-US" altLang="ja-JP" sz="1600" dirty="0"/>
+          </a:p>
+          <a:p>
+            <a:r>
+              <a:rPr lang="ja-JP" altLang="en-US" sz="1600" dirty="0"/>
               <a:t>を切り替えて試す．</a:t>
             </a:r>
-            <a:endParaRPr lang="en-US" altLang="ja-JP" dirty="0"/>
-          </a:p>
-          <a:p>
-            <a:endParaRPr lang="en-US" altLang="ja-JP" dirty="0"/>
-          </a:p>
-          <a:p>
-            <a:endParaRPr lang="ja-JP" altLang="en-US" dirty="0"/>
-          </a:p>
-          <a:p>
-            <a:endParaRPr kumimoji="1" lang="ja-JP" altLang="en-US" dirty="0"/>
+            <a:endParaRPr lang="en-US" altLang="ja-JP" sz="1600" dirty="0"/>
+          </a:p>
+          <a:p>
+            <a:endParaRPr kumimoji="1" lang="en-US" altLang="ja-JP" sz="1600" dirty="0"/>
+          </a:p>
+          <a:p>
+            <a:pPr lvl="0"/>
+            <a:r>
+              <a:rPr lang="ja-JP" altLang="en-US" dirty="0">
+                <a:solidFill>
+                  <a:prstClr val="black"/>
+                </a:solidFill>
+              </a:rPr>
+              <a:t>②検索結果から</a:t>
+            </a:r>
+            <a:r>
+              <a:rPr lang="en-US" altLang="ja-JP" dirty="0">
+                <a:solidFill>
+                  <a:prstClr val="black"/>
+                </a:solidFill>
+              </a:rPr>
+              <a:t>MAP</a:t>
+            </a:r>
+            <a:r>
+              <a:rPr lang="ja-JP" altLang="en-US" dirty="0">
+                <a:solidFill>
+                  <a:prstClr val="black"/>
+                </a:solidFill>
+              </a:rPr>
+              <a:t>を作成したい「分類」</a:t>
+            </a:r>
+            <a:br>
+              <a:rPr lang="en-US" altLang="ja-JP" dirty="0">
+                <a:solidFill>
+                  <a:prstClr val="black"/>
+                </a:solidFill>
+              </a:rPr>
+            </a:br>
+            <a:r>
+              <a:rPr lang="ja-JP" altLang="en-US" dirty="0">
+                <a:solidFill>
+                  <a:prstClr val="black"/>
+                </a:solidFill>
+              </a:rPr>
+              <a:t>を選択し</a:t>
+            </a:r>
+            <a:r>
+              <a:rPr lang="ja-JP" altLang="en-US" b="1" dirty="0">
+                <a:solidFill>
+                  <a:prstClr val="black"/>
+                </a:solidFill>
+              </a:rPr>
+              <a:t>「この分類で</a:t>
+            </a:r>
+            <a:r>
+              <a:rPr lang="en-US" altLang="ja-JP" b="1" dirty="0">
+                <a:solidFill>
+                  <a:prstClr val="black"/>
+                </a:solidFill>
+              </a:rPr>
+              <a:t>MAP</a:t>
+            </a:r>
+            <a:r>
+              <a:rPr lang="ja-JP" altLang="en-US" b="1" dirty="0">
+                <a:solidFill>
+                  <a:prstClr val="black"/>
+                </a:solidFill>
+              </a:rPr>
+              <a:t>を作成する」</a:t>
+            </a:r>
+            <a:r>
+              <a:rPr lang="ja-JP" altLang="en-US" dirty="0">
+                <a:solidFill>
+                  <a:prstClr val="black"/>
+                </a:solidFill>
+              </a:rPr>
+              <a:t>を</a:t>
+            </a:r>
+            <a:br>
+              <a:rPr lang="en-US" altLang="ja-JP" dirty="0">
+                <a:solidFill>
+                  <a:prstClr val="black"/>
+                </a:solidFill>
+              </a:rPr>
+            </a:br>
+            <a:r>
+              <a:rPr lang="ja-JP" altLang="en-US" dirty="0">
+                <a:solidFill>
+                  <a:prstClr val="black"/>
+                </a:solidFill>
+              </a:rPr>
+              <a:t>クリックすると，別ウィンドウ（タブ）に</a:t>
+            </a:r>
+            <a:r>
+              <a:rPr lang="en-US" altLang="ja-JP" b="1" u="sng" dirty="0">
+                <a:solidFill>
+                  <a:prstClr val="black"/>
+                </a:solidFill>
+              </a:rPr>
+              <a:t>MAP</a:t>
+            </a:r>
+            <a:r>
+              <a:rPr lang="ja-JP" altLang="en-US" b="1" u="sng" dirty="0">
+                <a:solidFill>
+                  <a:prstClr val="black"/>
+                </a:solidFill>
+              </a:rPr>
+              <a:t>が生成</a:t>
+            </a:r>
+            <a:r>
+              <a:rPr lang="ja-JP" altLang="en-US" dirty="0">
+                <a:solidFill>
+                  <a:prstClr val="black"/>
+                </a:solidFill>
+              </a:rPr>
+              <a:t>される</a:t>
+            </a:r>
           </a:p>
         </p:txBody>
       </p:sp>
@@ -4784,7 +5039,7 @@
         </p:nvSpPr>
         <p:spPr>
           <a:xfrm>
-            <a:off x="767644" y="5091784"/>
+            <a:off x="570794" y="4931809"/>
             <a:ext cx="5621861" cy="360680"/>
           </a:xfrm>
           <a:prstGeom prst="roundRect">
@@ -4836,7 +5091,7 @@
         </p:nvSpPr>
         <p:spPr>
           <a:xfrm>
-            <a:off x="5323276" y="5717495"/>
+            <a:off x="5126426" y="5557520"/>
             <a:ext cx="1722119" cy="763270"/>
           </a:xfrm>
           <a:prstGeom prst="wedgeRectCallout">
@@ -4959,7 +5214,7 @@
         <p:spPr>
           <a:xfrm>
             <a:off x="352778" y="240898"/>
-            <a:ext cx="10515600" cy="584835"/>
+            <a:ext cx="10924822" cy="584835"/>
           </a:xfrm>
         </p:spPr>
         <p:txBody>
@@ -4969,16 +5224,28 @@
           <a:lstStyle/>
           <a:p>
             <a:r>
-              <a:rPr kumimoji="1" lang="ja-JP" altLang="en-US" sz="3200" dirty="0"/>
-              <a:t>使い方の詳細②：</a:t>
-            </a:r>
-            <a:r>
-              <a:rPr kumimoji="1" lang="en-US" altLang="ja-JP" sz="3200" b="1" dirty="0"/>
+              <a:rPr kumimoji="1" lang="ja-JP" altLang="en-US" sz="3200" b="1" dirty="0">
+                <a:solidFill>
+                  <a:srgbClr val="0000FF"/>
+                </a:solidFill>
+                <a:latin typeface="+mn-ea"/>
+                <a:ea typeface="+mn-ea"/>
+              </a:rPr>
+              <a:t>使い方の詳細：</a:t>
+            </a:r>
+            <a:r>
+              <a:rPr kumimoji="1" lang="en-US" altLang="ja-JP" sz="3200" b="1" dirty="0">
+                <a:latin typeface="+mn-ea"/>
+                <a:ea typeface="+mn-ea"/>
+              </a:rPr>
               <a:t>MAP</a:t>
             </a:r>
             <a:r>
-              <a:rPr kumimoji="1" lang="ja-JP" altLang="en-US" sz="3200" b="1" dirty="0"/>
-              <a:t>を作成したい「具体例」を検索</a:t>
+              <a:rPr kumimoji="1" lang="ja-JP" altLang="en-US" sz="3200" b="1" dirty="0">
+                <a:latin typeface="+mn-ea"/>
+                <a:ea typeface="+mn-ea"/>
+              </a:rPr>
+              <a:t>上で表示されたデータの詳細を表示</a:t>
             </a:r>
           </a:p>
         </p:txBody>
@@ -4997,8 +5264,8 @@
         </p:nvSpPr>
         <p:spPr>
           <a:xfrm>
-            <a:off x="7416800" y="949961"/>
-            <a:ext cx="4673600" cy="2031325"/>
+            <a:off x="7277100" y="956311"/>
+            <a:ext cx="4673600" cy="4204164"/>
           </a:xfrm>
           <a:prstGeom prst="rect">
             <a:avLst/>
@@ -5011,248 +5278,115 @@
           </a:bodyPr>
           <a:lstStyle/>
           <a:p>
-            <a:r>
-              <a:rPr lang="ja-JP" altLang="en-US" dirty="0"/>
-              <a:t>②検索結果から</a:t>
-            </a:r>
-            <a:r>
-              <a:rPr lang="en-US" altLang="ja-JP" dirty="0"/>
+            <a:pPr>
+              <a:lnSpc>
+                <a:spcPct val="150000"/>
+              </a:lnSpc>
+            </a:pPr>
+            <a:r>
+              <a:rPr lang="ja-JP" altLang="en-US" sz="2000" dirty="0"/>
+              <a:t>③</a:t>
+            </a:r>
+            <a:r>
+              <a:rPr lang="en-US" altLang="ja-JP" sz="2000" dirty="0"/>
               <a:t>MAP</a:t>
             </a:r>
             <a:r>
-              <a:rPr lang="ja-JP" altLang="en-US" dirty="0"/>
-              <a:t>を作成したい「分類」を選択し「この分類で</a:t>
-            </a:r>
-            <a:r>
-              <a:rPr lang="en-US" altLang="ja-JP" dirty="0"/>
-              <a:t>MAP</a:t>
-            </a:r>
-            <a:r>
-              <a:rPr lang="ja-JP" altLang="en-US" dirty="0"/>
-              <a:t>を作成する」をクリックする．</a:t>
-            </a:r>
-            <a:endParaRPr lang="en-US" altLang="ja-JP" dirty="0"/>
-          </a:p>
-          <a:p>
-            <a:r>
-              <a:rPr lang="ja-JP" altLang="en-US" dirty="0"/>
-              <a:t>→別ウィンドウ（タブ）に</a:t>
-            </a:r>
-            <a:r>
-              <a:rPr lang="en-US" altLang="ja-JP" dirty="0"/>
-              <a:t>MAP</a:t>
-            </a:r>
-            <a:r>
-              <a:rPr lang="ja-JP" altLang="en-US" dirty="0"/>
-              <a:t>が生成される</a:t>
-            </a:r>
-            <a:endParaRPr lang="en-US" altLang="ja-JP" dirty="0"/>
-          </a:p>
-          <a:p>
-            <a:endParaRPr lang="ja-JP" altLang="en-US" dirty="0"/>
-          </a:p>
-          <a:p>
-            <a:endParaRPr kumimoji="1" lang="ja-JP" altLang="en-US" dirty="0"/>
-          </a:p>
-        </p:txBody>
-      </p:sp>
-      <p:pic>
-        <p:nvPicPr>
-          <p:cNvPr id="8" name="図 7">
-            <a:extLst>
-              <a:ext uri="{FF2B5EF4-FFF2-40B4-BE49-F238E27FC236}">
-                <a16:creationId xmlns:a16="http://schemas.microsoft.com/office/drawing/2014/main" id="{343684F9-F855-4A43-A693-F3727186541F}"/>
-              </a:ext>
-            </a:extLst>
-          </p:cNvPr>
-          <p:cNvPicPr>
-            <a:picLocks noChangeAspect="1"/>
-          </p:cNvPicPr>
-          <p:nvPr/>
-        </p:nvPicPr>
-        <p:blipFill>
-          <a:blip r:embed="rId2"/>
-          <a:stretch>
-            <a:fillRect/>
-          </a:stretch>
-        </p:blipFill>
-        <p:spPr>
-          <a:xfrm>
-            <a:off x="352778" y="949960"/>
-            <a:ext cx="6860822" cy="5734073"/>
-          </a:xfrm>
-          <a:prstGeom prst="rect">
-            <a:avLst/>
-          </a:prstGeom>
-        </p:spPr>
-      </p:pic>
-    </p:spTree>
-    <p:extLst>
-      <p:ext uri="{BB962C8B-B14F-4D97-AF65-F5344CB8AC3E}">
-        <p14:creationId xmlns:p14="http://schemas.microsoft.com/office/powerpoint/2010/main" val="3754074386"/>
-      </p:ext>
-    </p:extLst>
-  </p:cSld>
-  <p:clrMapOvr>
-    <a:masterClrMapping/>
-  </p:clrMapOvr>
-</p:sld>
-</file>
-
-<file path=ppt/slides/slide5.xml><?xml version="1.0" encoding="utf-8"?>
-<p:sld xmlns:a="http://schemas.openxmlformats.org/drawingml/2006/main" xmlns:r="http://schemas.openxmlformats.org/officeDocument/2006/relationships" xmlns:p="http://schemas.openxmlformats.org/presentationml/2006/main">
-  <p:cSld>
-    <p:spTree>
-      <p:nvGrpSpPr>
-        <p:cNvPr id="1" name=""/>
-        <p:cNvGrpSpPr/>
-        <p:nvPr/>
-      </p:nvGrpSpPr>
-      <p:grpSpPr>
-        <a:xfrm>
-          <a:off x="0" y="0"/>
-          <a:ext cx="0" cy="0"/>
-          <a:chOff x="0" y="0"/>
-          <a:chExt cx="0" cy="0"/>
-        </a:xfrm>
-      </p:grpSpPr>
-      <p:sp>
-        <p:nvSpPr>
-          <p:cNvPr id="2" name="タイトル 1">
-            <a:extLst>
-              <a:ext uri="{FF2B5EF4-FFF2-40B4-BE49-F238E27FC236}">
-                <a16:creationId xmlns:a16="http://schemas.microsoft.com/office/drawing/2014/main" id="{75D36618-D843-466B-92EF-E8529AFEB3C5}"/>
-              </a:ext>
-            </a:extLst>
-          </p:cNvPr>
-          <p:cNvSpPr>
-            <a:spLocks noGrp="1"/>
-          </p:cNvSpPr>
-          <p:nvPr>
-            <p:ph type="title"/>
-          </p:nvPr>
-        </p:nvSpPr>
-        <p:spPr>
-          <a:xfrm>
-            <a:off x="352778" y="240898"/>
-            <a:ext cx="10924822" cy="584835"/>
-          </a:xfrm>
-        </p:spPr>
-        <p:txBody>
-          <a:bodyPr>
-            <a:noAutofit/>
-          </a:bodyPr>
-          <a:lstStyle/>
-          <a:p>
-            <a:r>
-              <a:rPr kumimoji="1" lang="ja-JP" altLang="en-US" sz="3200" dirty="0"/>
-              <a:t>使い方の詳細③：</a:t>
-            </a:r>
-            <a:r>
-              <a:rPr kumimoji="1" lang="en-US" altLang="ja-JP" sz="3200" b="1" dirty="0"/>
-              <a:t>MAP</a:t>
-            </a:r>
-            <a:r>
-              <a:rPr kumimoji="1" lang="ja-JP" altLang="en-US" sz="3200" b="1" dirty="0"/>
-              <a:t>上で表示されたデータの詳細を表示</a:t>
-            </a:r>
-          </a:p>
-        </p:txBody>
-      </p:sp>
-      <p:sp>
-        <p:nvSpPr>
-          <p:cNvPr id="5" name="テキスト ボックス 4">
-            <a:extLst>
-              <a:ext uri="{FF2B5EF4-FFF2-40B4-BE49-F238E27FC236}">
-                <a16:creationId xmlns:a16="http://schemas.microsoft.com/office/drawing/2014/main" id="{3CD05040-BF89-4F2A-91C1-2C1829FA22FF}"/>
-              </a:ext>
-            </a:extLst>
-          </p:cNvPr>
-          <p:cNvSpPr txBox="1"/>
-          <p:nvPr/>
-        </p:nvSpPr>
-        <p:spPr>
-          <a:xfrm>
-            <a:off x="7416800" y="949961"/>
-            <a:ext cx="4673600" cy="2585323"/>
-          </a:xfrm>
-          <a:prstGeom prst="rect">
-            <a:avLst/>
-          </a:prstGeom>
-          <a:noFill/>
-        </p:spPr>
-        <p:txBody>
-          <a:bodyPr wrap="square" rtlCol="0">
-            <a:spAutoFit/>
-          </a:bodyPr>
-          <a:lstStyle/>
-          <a:p>
-            <a:r>
-              <a:rPr lang="ja-JP" altLang="en-US" dirty="0"/>
-              <a:t>③</a:t>
-            </a:r>
-            <a:r>
-              <a:rPr lang="en-US" altLang="ja-JP" dirty="0"/>
-              <a:t>MAP</a:t>
-            </a:r>
-            <a:r>
-              <a:rPr lang="ja-JP" altLang="en-US" dirty="0"/>
-              <a:t>に表示された点をクリックしてデータを表示する．</a:t>
-            </a:r>
-            <a:endParaRPr lang="en-US" altLang="ja-JP" dirty="0"/>
-          </a:p>
-          <a:p>
-            <a:r>
-              <a:rPr lang="ja-JP" altLang="en-US" dirty="0"/>
+              <a:rPr lang="ja-JP" altLang="en-US" sz="2000" dirty="0"/>
+              <a:t>に表示された</a:t>
+            </a:r>
+            <a:r>
+              <a:rPr lang="ja-JP" altLang="en-US" sz="2000" b="1" u="sng" dirty="0"/>
+              <a:t>点をクリックしてデータを表示</a:t>
+            </a:r>
+            <a:r>
+              <a:rPr lang="ja-JP" altLang="en-US" sz="2000" dirty="0"/>
+              <a:t>する．</a:t>
+            </a:r>
+            <a:endParaRPr lang="en-US" altLang="ja-JP" sz="2000" dirty="0"/>
+          </a:p>
+          <a:p>
+            <a:pPr>
+              <a:lnSpc>
+                <a:spcPct val="150000"/>
+              </a:lnSpc>
+            </a:pPr>
+            <a:r>
+              <a:rPr lang="ja-JP" altLang="en-US" sz="2000" dirty="0"/>
               <a:t>表示されたデータのリンクをクリックすることで，</a:t>
             </a:r>
-            <a:endParaRPr lang="en-US" altLang="ja-JP" dirty="0"/>
-          </a:p>
-          <a:p>
-            <a:r>
-              <a:rPr lang="ja-JP" altLang="en-US" dirty="0"/>
+            <a:endParaRPr lang="en-US" altLang="ja-JP" sz="2000" dirty="0"/>
+          </a:p>
+          <a:p>
+            <a:pPr>
+              <a:lnSpc>
+                <a:spcPct val="150000"/>
+              </a:lnSpc>
+            </a:pPr>
+            <a:r>
+              <a:rPr lang="ja-JP" altLang="en-US" sz="2000" b="1" dirty="0"/>
               <a:t>・</a:t>
             </a:r>
             <a:r>
-              <a:rPr lang="en-US" altLang="ja-JP" dirty="0"/>
+              <a:rPr lang="en-US" altLang="ja-JP" sz="2000" b="1" dirty="0"/>
               <a:t>Google Map</a:t>
             </a:r>
             <a:r>
-              <a:rPr lang="ja-JP" altLang="en-US" dirty="0"/>
+              <a:rPr lang="ja-JP" altLang="en-US" sz="2000" b="1" dirty="0"/>
               <a:t>を用いた経路検索</a:t>
             </a:r>
-            <a:endParaRPr lang="en-US" altLang="ja-JP" dirty="0"/>
-          </a:p>
-          <a:p>
-            <a:r>
-              <a:rPr lang="ja-JP" altLang="en-US" dirty="0"/>
+            <a:endParaRPr lang="en-US" altLang="ja-JP" sz="2000" b="1" dirty="0"/>
+          </a:p>
+          <a:p>
+            <a:pPr>
+              <a:lnSpc>
+                <a:spcPct val="150000"/>
+              </a:lnSpc>
+            </a:pPr>
+            <a:r>
+              <a:rPr lang="ja-JP" altLang="en-US" sz="2000" b="1" dirty="0"/>
               <a:t>・</a:t>
             </a:r>
             <a:r>
-              <a:rPr lang="en-US" altLang="ja-JP" dirty="0" err="1"/>
+              <a:rPr lang="en-US" altLang="ja-JP" sz="2000" b="1" dirty="0" err="1"/>
               <a:t>Wikidata</a:t>
             </a:r>
             <a:r>
-              <a:rPr lang="ja-JP" altLang="en-US" dirty="0" err="1"/>
+              <a:rPr lang="ja-JP" altLang="en-US" sz="2000" b="1" dirty="0" err="1"/>
               <a:t>での</a:t>
             </a:r>
             <a:r>
-              <a:rPr lang="ja-JP" altLang="en-US" dirty="0"/>
+              <a:rPr lang="ja-JP" altLang="en-US" sz="2000" b="1" dirty="0"/>
               <a:t>定義内容の確認</a:t>
             </a:r>
-            <a:endParaRPr lang="en-US" altLang="ja-JP" dirty="0"/>
-          </a:p>
-          <a:p>
-            <a:r>
-              <a:rPr lang="ja-JP" altLang="en-US" dirty="0"/>
+            <a:endParaRPr lang="en-US" altLang="ja-JP" sz="2000" b="1" dirty="0"/>
+          </a:p>
+          <a:p>
+            <a:pPr>
+              <a:lnSpc>
+                <a:spcPct val="150000"/>
+              </a:lnSpc>
+            </a:pPr>
+            <a:r>
+              <a:rPr lang="ja-JP" altLang="en-US" sz="2000" dirty="0"/>
               <a:t>ができる</a:t>
             </a:r>
           </a:p>
           <a:p>
-            <a:endParaRPr lang="ja-JP" altLang="en-US" dirty="0"/>
-          </a:p>
-          <a:p>
-            <a:endParaRPr kumimoji="1" lang="ja-JP" altLang="en-US" dirty="0"/>
+            <a:pPr>
+              <a:lnSpc>
+                <a:spcPct val="150000"/>
+              </a:lnSpc>
+            </a:pPr>
+            <a:endParaRPr lang="ja-JP" altLang="en-US" sz="2000" dirty="0"/>
+          </a:p>
+          <a:p>
+            <a:pPr>
+              <a:lnSpc>
+                <a:spcPct val="150000"/>
+              </a:lnSpc>
+            </a:pPr>
+            <a:endParaRPr kumimoji="1" lang="ja-JP" altLang="en-US" sz="2000" dirty="0"/>
           </a:p>
         </p:txBody>
       </p:sp>
@@ -5379,7 +5513,7 @@
 </p:sld>
 </file>
 
-<file path=ppt/slides/slide6.xml><?xml version="1.0" encoding="utf-8"?>
+<file path=ppt/slides/slide5.xml><?xml version="1.0" encoding="utf-8"?>
 <p:sld xmlns:a="http://schemas.openxmlformats.org/drawingml/2006/main" xmlns:r="http://schemas.openxmlformats.org/officeDocument/2006/relationships" xmlns:p="http://schemas.openxmlformats.org/presentationml/2006/main">
   <p:cSld>
     <p:spTree>
@@ -5418,7 +5552,7 @@
         </p:blipFill>
         <p:spPr>
           <a:xfrm>
-            <a:off x="333733" y="1151466"/>
+            <a:off x="238483" y="935566"/>
             <a:ext cx="6733320" cy="5627511"/>
           </a:xfrm>
           <a:prstGeom prst="rect">
@@ -5455,18 +5589,43 @@
           <a:lstStyle/>
           <a:p>
             <a:r>
-              <a:rPr kumimoji="1" lang="ja-JP" altLang="en-US" sz="3200" dirty="0"/>
-              <a:t>使い方の詳細④：</a:t>
-            </a:r>
-            <a:r>
-              <a:rPr lang="en-US" altLang="ja-JP" sz="3200" dirty="0"/>
-              <a:t> Google Map</a:t>
-            </a:r>
-            <a:r>
-              <a:rPr lang="ja-JP" altLang="en-US" sz="3200" dirty="0"/>
+              <a:rPr kumimoji="1" lang="ja-JP" altLang="en-US" sz="3200" b="1" dirty="0">
+                <a:solidFill>
+                  <a:srgbClr val="0000FF"/>
+                </a:solidFill>
+                <a:latin typeface="+mn-ea"/>
+                <a:ea typeface="+mn-ea"/>
+              </a:rPr>
+              <a:t>使い方の詳細：</a:t>
+            </a:r>
+            <a:r>
+              <a:rPr lang="en-US" altLang="ja-JP" sz="3200" b="1" dirty="0">
+                <a:solidFill>
+                  <a:srgbClr val="0000FF"/>
+                </a:solidFill>
+                <a:latin typeface="+mn-ea"/>
+                <a:ea typeface="+mn-ea"/>
+              </a:rPr>
+              <a:t> </a:t>
+            </a:r>
+            <a:r>
+              <a:rPr lang="en-US" altLang="ja-JP" sz="3200" b="1" dirty="0">
+                <a:latin typeface="+mn-ea"/>
+                <a:ea typeface="+mn-ea"/>
+              </a:rPr>
+              <a:t>Google Map</a:t>
+            </a:r>
+            <a:r>
+              <a:rPr lang="ja-JP" altLang="en-US" sz="3200" b="1" dirty="0">
+                <a:latin typeface="+mn-ea"/>
+                <a:ea typeface="+mn-ea"/>
+              </a:rPr>
               <a:t>を用いた経路検索</a:t>
             </a:r>
-            <a:endParaRPr kumimoji="1" lang="ja-JP" altLang="en-US" sz="3200" b="1" dirty="0"/>
+            <a:endParaRPr kumimoji="1" lang="ja-JP" altLang="en-US" sz="3200" b="1" dirty="0">
+              <a:latin typeface="+mn-ea"/>
+              <a:ea typeface="+mn-ea"/>
+            </a:endParaRPr>
           </a:p>
         </p:txBody>
       </p:sp>
@@ -5484,8 +5643,8 @@
         </p:nvSpPr>
         <p:spPr>
           <a:xfrm>
-            <a:off x="7416800" y="949961"/>
-            <a:ext cx="4673600" cy="1477328"/>
+            <a:off x="7131049" y="1261110"/>
+            <a:ext cx="4822468" cy="2357312"/>
           </a:xfrm>
           <a:prstGeom prst="rect">
             <a:avLst/>
@@ -5498,19 +5657,40 @@
           </a:bodyPr>
           <a:lstStyle/>
           <a:p>
-            <a:r>
-              <a:rPr lang="ja-JP" altLang="en-US" dirty="0"/>
-              <a:t>「経路検索」に表示されるリンクをクリックすると，別ウィンドウ（タブ）で，「現在地」から「選択したデータの場所」までの</a:t>
-            </a:r>
-            <a:r>
-              <a:rPr lang="en-US" altLang="ja-JP" dirty="0"/>
+            <a:pPr>
+              <a:lnSpc>
+                <a:spcPct val="150000"/>
+              </a:lnSpc>
+            </a:pPr>
+            <a:r>
+              <a:rPr lang="ja-JP" altLang="en-US" sz="2000" dirty="0"/>
+              <a:t>④</a:t>
+            </a:r>
+            <a:r>
+              <a:rPr lang="ja-JP" altLang="en-US" sz="2000" b="1" dirty="0"/>
+              <a:t>「経路検索」に表示される</a:t>
+            </a:r>
+            <a:r>
+              <a:rPr lang="ja-JP" altLang="en-US" sz="2000" b="1" u="sng" dirty="0"/>
+              <a:t>リンク</a:t>
+            </a:r>
+            <a:r>
+              <a:rPr lang="ja-JP" altLang="en-US" sz="2000" dirty="0"/>
+              <a:t>をクリックすると，別ウィンドウ（タブ）で，「現在地」から「選択したデータの場所」までの</a:t>
+            </a:r>
+            <a:r>
+              <a:rPr lang="en-US" altLang="ja-JP" sz="2000" b="1" u="sng" dirty="0"/>
               <a:t>Google Map</a:t>
             </a:r>
             <a:r>
-              <a:rPr lang="ja-JP" altLang="en-US" dirty="0"/>
-              <a:t>を用いた経路検索結果が表示される．</a:t>
-            </a:r>
-            <a:endParaRPr kumimoji="1" lang="ja-JP" altLang="en-US" dirty="0"/>
+              <a:rPr lang="ja-JP" altLang="en-US" sz="2000" b="1" u="sng" dirty="0"/>
+              <a:t>を用いた経路検索結果</a:t>
+            </a:r>
+            <a:r>
+              <a:rPr lang="ja-JP" altLang="en-US" sz="2000" dirty="0"/>
+              <a:t>が表示される．</a:t>
+            </a:r>
+            <a:endParaRPr kumimoji="1" lang="ja-JP" altLang="en-US" sz="2000" dirty="0"/>
           </a:p>
         </p:txBody>
       </p:sp>
@@ -5527,7 +5707,7 @@
 </p:sld>
 </file>
 
-<file path=ppt/slides/slide7.xml><?xml version="1.0" encoding="utf-8"?>
+<file path=ppt/slides/slide6.xml><?xml version="1.0" encoding="utf-8"?>
 <p:sld xmlns:a="http://schemas.openxmlformats.org/drawingml/2006/main" xmlns:r="http://schemas.openxmlformats.org/officeDocument/2006/relationships" xmlns:p="http://schemas.openxmlformats.org/presentationml/2006/main">
   <p:cSld>
     <p:spTree>
@@ -5573,26 +5753,50 @@
           <a:lstStyle/>
           <a:p>
             <a:r>
-              <a:rPr kumimoji="1" lang="ja-JP" altLang="en-US" sz="3200" dirty="0"/>
-              <a:t>使い方の詳細⑤：</a:t>
-            </a:r>
-            <a:r>
-              <a:rPr lang="en-US" altLang="ja-JP" sz="3200" dirty="0"/>
+              <a:rPr kumimoji="1" lang="ja-JP" altLang="en-US" sz="3200" b="1" dirty="0">
+                <a:solidFill>
+                  <a:srgbClr val="0000FF"/>
+                </a:solidFill>
+                <a:latin typeface="+mn-ea"/>
+                <a:ea typeface="+mn-ea"/>
+              </a:rPr>
+              <a:t>使い方の詳細：</a:t>
+            </a:r>
+            <a:r>
+              <a:rPr lang="en-US" altLang="ja-JP" sz="3200" b="1" dirty="0">
+                <a:solidFill>
+                  <a:srgbClr val="0000FF"/>
+                </a:solidFill>
+                <a:latin typeface="+mn-ea"/>
+                <a:ea typeface="+mn-ea"/>
+              </a:rPr>
               <a:t> </a:t>
             </a:r>
             <a:r>
-              <a:rPr lang="en-US" altLang="ja-JP" sz="3200" dirty="0" err="1"/>
+              <a:rPr lang="en-US" altLang="ja-JP" sz="3200" b="1" dirty="0" err="1">
+                <a:latin typeface="+mn-ea"/>
+                <a:ea typeface="+mn-ea"/>
+              </a:rPr>
               <a:t>Wikidata</a:t>
             </a:r>
             <a:r>
-              <a:rPr lang="ja-JP" altLang="en-US" sz="3200" dirty="0" err="1"/>
+              <a:rPr lang="ja-JP" altLang="en-US" sz="3200" b="1" dirty="0" err="1">
+                <a:latin typeface="+mn-ea"/>
+                <a:ea typeface="+mn-ea"/>
+              </a:rPr>
               <a:t>での</a:t>
             </a:r>
             <a:r>
-              <a:rPr lang="ja-JP" altLang="en-US" sz="3200" dirty="0"/>
+              <a:rPr lang="ja-JP" altLang="en-US" sz="3200" b="1" dirty="0">
+                <a:latin typeface="+mn-ea"/>
+                <a:ea typeface="+mn-ea"/>
+              </a:rPr>
               <a:t>定義内容の確認</a:t>
             </a:r>
-            <a:endParaRPr kumimoji="1" lang="ja-JP" altLang="en-US" sz="3200" b="1" dirty="0"/>
+            <a:endParaRPr kumimoji="1" lang="ja-JP" altLang="en-US" sz="3200" b="1" dirty="0">
+              <a:latin typeface="+mn-ea"/>
+              <a:ea typeface="+mn-ea"/>
+            </a:endParaRPr>
           </a:p>
         </p:txBody>
       </p:sp>
@@ -5610,8 +5814,8 @@
         </p:nvSpPr>
         <p:spPr>
           <a:xfrm>
-            <a:off x="7416800" y="949961"/>
-            <a:ext cx="4673600" cy="1477328"/>
+            <a:off x="114301" y="4826675"/>
+            <a:ext cx="5041900" cy="1754326"/>
           </a:xfrm>
           <a:prstGeom prst="rect">
             <a:avLst/>
@@ -5626,17 +5830,89 @@
           <a:p>
             <a:r>
               <a:rPr lang="ja-JP" altLang="en-US" dirty="0"/>
-              <a:t>「経路検索」に表示されるリンクをクリックすると，別ウィンドウ（タブ）で，「現在地」から「選択したデータの場所」までの</a:t>
-            </a:r>
-            <a:r>
-              <a:rPr lang="en-US" altLang="ja-JP" dirty="0"/>
-              <a:t>Google Map</a:t>
+              <a:t>⑤</a:t>
+            </a:r>
+            <a:r>
+              <a:rPr lang="ja-JP" altLang="en-US" b="1" dirty="0"/>
+              <a:t>「</a:t>
+            </a:r>
+            <a:r>
+              <a:rPr lang="en-US" altLang="ja-JP" b="1" dirty="0" err="1"/>
+              <a:t>Wikidata</a:t>
+            </a:r>
+            <a:r>
+              <a:rPr lang="ja-JP" altLang="en-US" b="1" dirty="0" err="1"/>
+              <a:t>での</a:t>
+            </a:r>
+            <a:r>
+              <a:rPr lang="ja-JP" altLang="en-US" b="1" dirty="0"/>
+              <a:t>定義を見る」に表示される</a:t>
+            </a:r>
+            <a:br>
+              <a:rPr lang="en-US" altLang="ja-JP" b="1" dirty="0"/>
+            </a:br>
+            <a:r>
+              <a:rPr lang="ja-JP" altLang="en-US" b="1" u="sng" dirty="0"/>
+              <a:t>リンク</a:t>
             </a:r>
             <a:r>
               <a:rPr lang="ja-JP" altLang="en-US" dirty="0"/>
-              <a:t>を用いた経路検索結果が表示される．</a:t>
-            </a:r>
-            <a:endParaRPr kumimoji="1" lang="ja-JP" altLang="en-US" dirty="0"/>
+              <a:t>をクリックすると，</a:t>
+            </a:r>
+            <a:r>
+              <a:rPr lang="en-US" altLang="ja-JP" dirty="0" err="1"/>
+              <a:t>Wikidata</a:t>
+            </a:r>
+            <a:r>
+              <a:rPr lang="ja-JP" altLang="en-US" dirty="0"/>
+              <a:t>上のデータの詳細を確認できる．</a:t>
+            </a:r>
+            <a:endParaRPr lang="en-US" altLang="ja-JP" dirty="0"/>
+          </a:p>
+          <a:p>
+            <a:r>
+              <a:rPr lang="ja-JP" altLang="en-US" dirty="0"/>
+              <a:t>・</a:t>
+            </a:r>
+            <a:r>
+              <a:rPr lang="ja-JP" altLang="en-US" b="1" dirty="0"/>
+              <a:t>上部のリンク</a:t>
+            </a:r>
+            <a:r>
+              <a:rPr lang="ja-JP" altLang="en-US" dirty="0"/>
+              <a:t>→データ内容の簡単な可視化</a:t>
+            </a:r>
+            <a:endParaRPr lang="en-US" altLang="ja-JP" dirty="0"/>
+          </a:p>
+          <a:p>
+            <a:r>
+              <a:rPr lang="ja-JP" altLang="en-US" dirty="0"/>
+              <a:t>・</a:t>
+            </a:r>
+            <a:r>
+              <a:rPr lang="ja-JP" altLang="en-US" b="1" dirty="0"/>
+              <a:t>下部のデータ名のリンク</a:t>
+            </a:r>
+            <a:r>
+              <a:rPr lang="ja-JP" altLang="en-US" dirty="0"/>
+              <a:t>→</a:t>
+            </a:r>
+            <a:r>
+              <a:rPr lang="en-US" altLang="ja-JP" dirty="0" err="1"/>
+              <a:t>Wikidata</a:t>
+            </a:r>
+            <a:r>
+              <a:rPr lang="ja-JP" altLang="en-US" dirty="0"/>
+              <a:t>のページ</a:t>
+            </a:r>
+            <a:endParaRPr lang="en-US" altLang="ja-JP" dirty="0"/>
+          </a:p>
+          <a:p>
+            <a:r>
+              <a:rPr lang="ja-JP" altLang="en-US" dirty="0"/>
+              <a:t>を表示する．</a:t>
+            </a:r>
+            <a:endParaRPr lang="en-US" altLang="ja-JP" dirty="0"/>
           </a:p>
         </p:txBody>
       </p:sp>
@@ -5773,10 +6049,696 @@
           </a:p>
         </p:txBody>
       </p:sp>
+      <p:pic>
+        <p:nvPicPr>
+          <p:cNvPr id="3" name="図 2">
+            <a:extLst>
+              <a:ext uri="{FF2B5EF4-FFF2-40B4-BE49-F238E27FC236}">
+                <a16:creationId xmlns:a16="http://schemas.microsoft.com/office/drawing/2014/main" id="{832AC4E3-71AB-4325-83A8-FA97AC039CA0}"/>
+              </a:ext>
+            </a:extLst>
+          </p:cNvPr>
+          <p:cNvPicPr>
+            <a:picLocks noChangeAspect="1"/>
+          </p:cNvPicPr>
+          <p:nvPr/>
+        </p:nvPicPr>
+        <p:blipFill>
+          <a:blip r:embed="rId3"/>
+          <a:stretch>
+            <a:fillRect/>
+          </a:stretch>
+        </p:blipFill>
+        <p:spPr>
+          <a:xfrm>
+            <a:off x="5300078" y="949961"/>
+            <a:ext cx="2665601" cy="5608320"/>
+          </a:xfrm>
+          <a:prstGeom prst="rect">
+            <a:avLst/>
+          </a:prstGeom>
+        </p:spPr>
+      </p:pic>
+      <p:pic>
+        <p:nvPicPr>
+          <p:cNvPr id="8" name="図 7">
+            <a:extLst>
+              <a:ext uri="{FF2B5EF4-FFF2-40B4-BE49-F238E27FC236}">
+                <a16:creationId xmlns:a16="http://schemas.microsoft.com/office/drawing/2014/main" id="{E79C8815-AA40-40AE-A5A3-3328D01C0476}"/>
+              </a:ext>
+            </a:extLst>
+          </p:cNvPr>
+          <p:cNvPicPr>
+            <a:picLocks noChangeAspect="1"/>
+          </p:cNvPicPr>
+          <p:nvPr/>
+        </p:nvPicPr>
+        <p:blipFill>
+          <a:blip r:embed="rId4"/>
+          <a:stretch>
+            <a:fillRect/>
+          </a:stretch>
+        </p:blipFill>
+        <p:spPr>
+          <a:xfrm>
+            <a:off x="8059523" y="953390"/>
+            <a:ext cx="3926840" cy="5663712"/>
+          </a:xfrm>
+          <a:prstGeom prst="rect">
+            <a:avLst/>
+          </a:prstGeom>
+        </p:spPr>
+      </p:pic>
+      <p:sp>
+        <p:nvSpPr>
+          <p:cNvPr id="9" name="矢印: 右 8">
+            <a:extLst>
+              <a:ext uri="{FF2B5EF4-FFF2-40B4-BE49-F238E27FC236}">
+                <a16:creationId xmlns:a16="http://schemas.microsoft.com/office/drawing/2014/main" id="{6BC319A9-F2A3-416F-A322-99D791976966}"/>
+              </a:ext>
+            </a:extLst>
+          </p:cNvPr>
+          <p:cNvSpPr/>
+          <p:nvPr/>
+        </p:nvSpPr>
+        <p:spPr>
+          <a:xfrm rot="19683574">
+            <a:off x="2652519" y="2758607"/>
+            <a:ext cx="3178499" cy="260385"/>
+          </a:xfrm>
+          <a:prstGeom prst="rightArrow">
+            <a:avLst/>
+          </a:prstGeom>
+          <a:solidFill>
+            <a:srgbClr val="92D050"/>
+          </a:solidFill>
+          <a:ln>
+            <a:solidFill>
+              <a:srgbClr val="00B050"/>
+            </a:solidFill>
+          </a:ln>
+        </p:spPr>
+        <p:style>
+          <a:lnRef idx="2">
+            <a:schemeClr val="accent1">
+              <a:shade val="50000"/>
+            </a:schemeClr>
+          </a:lnRef>
+          <a:fillRef idx="1">
+            <a:schemeClr val="accent1"/>
+          </a:fillRef>
+          <a:effectRef idx="0">
+            <a:schemeClr val="accent1"/>
+          </a:effectRef>
+          <a:fontRef idx="minor">
+            <a:schemeClr val="lt1"/>
+          </a:fontRef>
+        </p:style>
+        <p:txBody>
+          <a:bodyPr rtlCol="0" anchor="ctr"/>
+          <a:lstStyle/>
+          <a:p>
+            <a:pPr algn="ctr"/>
+            <a:endParaRPr kumimoji="1" lang="ja-JP" altLang="en-US"/>
+          </a:p>
+        </p:txBody>
+      </p:sp>
+      <p:sp>
+        <p:nvSpPr>
+          <p:cNvPr id="12" name="矢印: 下カーブ 11">
+            <a:extLst>
+              <a:ext uri="{FF2B5EF4-FFF2-40B4-BE49-F238E27FC236}">
+                <a16:creationId xmlns:a16="http://schemas.microsoft.com/office/drawing/2014/main" id="{813C53D7-7F93-4478-BBA0-E1364138FE3F}"/>
+              </a:ext>
+            </a:extLst>
+          </p:cNvPr>
+          <p:cNvSpPr/>
+          <p:nvPr/>
+        </p:nvSpPr>
+        <p:spPr>
+          <a:xfrm rot="20574918">
+            <a:off x="866671" y="1900926"/>
+            <a:ext cx="8180718" cy="1130116"/>
+          </a:xfrm>
+          <a:prstGeom prst="curvedDownArrow">
+            <a:avLst>
+              <a:gd name="adj1" fmla="val 10751"/>
+              <a:gd name="adj2" fmla="val 34142"/>
+              <a:gd name="adj3" fmla="val 25000"/>
+            </a:avLst>
+          </a:prstGeom>
+          <a:solidFill>
+            <a:srgbClr val="FFFF00"/>
+          </a:solidFill>
+          <a:ln>
+            <a:solidFill>
+              <a:srgbClr val="FFC000"/>
+            </a:solidFill>
+          </a:ln>
+        </p:spPr>
+        <p:style>
+          <a:lnRef idx="2">
+            <a:schemeClr val="accent1">
+              <a:shade val="50000"/>
+            </a:schemeClr>
+          </a:lnRef>
+          <a:fillRef idx="1">
+            <a:schemeClr val="accent1"/>
+          </a:fillRef>
+          <a:effectRef idx="0">
+            <a:schemeClr val="accent1"/>
+          </a:effectRef>
+          <a:fontRef idx="minor">
+            <a:schemeClr val="lt1"/>
+          </a:fontRef>
+        </p:style>
+        <p:txBody>
+          <a:bodyPr rtlCol="0" anchor="ctr"/>
+          <a:lstStyle/>
+          <a:p>
+            <a:pPr algn="ctr"/>
+            <a:endParaRPr kumimoji="1" lang="ja-JP" altLang="en-US">
+              <a:solidFill>
+                <a:schemeClr val="tx1"/>
+              </a:solidFill>
+            </a:endParaRPr>
+          </a:p>
+        </p:txBody>
+      </p:sp>
+      <p:sp>
+        <p:nvSpPr>
+          <p:cNvPr id="13" name="正方形/長方形 12">
+            <a:extLst>
+              <a:ext uri="{FF2B5EF4-FFF2-40B4-BE49-F238E27FC236}">
+                <a16:creationId xmlns:a16="http://schemas.microsoft.com/office/drawing/2014/main" id="{3E5CD6BC-AB84-477F-9F6B-508B7E6836DC}"/>
+              </a:ext>
+            </a:extLst>
+          </p:cNvPr>
+          <p:cNvSpPr/>
+          <p:nvPr/>
+        </p:nvSpPr>
+        <p:spPr>
+          <a:xfrm>
+            <a:off x="9077631" y="6127749"/>
+            <a:ext cx="2081019" cy="369332"/>
+          </a:xfrm>
+          <a:prstGeom prst="rect">
+            <a:avLst/>
+          </a:prstGeom>
+          <a:solidFill>
+            <a:srgbClr val="FFFFCC"/>
+          </a:solidFill>
+          <a:ln w="38100">
+            <a:solidFill>
+              <a:srgbClr val="FFC000"/>
+            </a:solidFill>
+          </a:ln>
+        </p:spPr>
+        <p:txBody>
+          <a:bodyPr wrap="none">
+            <a:spAutoFit/>
+          </a:bodyPr>
+          <a:lstStyle/>
+          <a:p>
+            <a:r>
+              <a:rPr lang="en-US" altLang="ja-JP" b="1" dirty="0" err="1"/>
+              <a:t>Wikidata</a:t>
+            </a:r>
+            <a:r>
+              <a:rPr lang="ja-JP" altLang="en-US" b="1" dirty="0"/>
+              <a:t>のページ</a:t>
+            </a:r>
+            <a:endParaRPr lang="en-US" altLang="ja-JP" b="1" dirty="0"/>
+          </a:p>
+        </p:txBody>
+      </p:sp>
+      <p:sp>
+        <p:nvSpPr>
+          <p:cNvPr id="15" name="正方形/長方形 14">
+            <a:extLst>
+              <a:ext uri="{FF2B5EF4-FFF2-40B4-BE49-F238E27FC236}">
+                <a16:creationId xmlns:a16="http://schemas.microsoft.com/office/drawing/2014/main" id="{AC50094B-BBC8-4815-B9AC-EE87EB8A6F2C}"/>
+              </a:ext>
+            </a:extLst>
+          </p:cNvPr>
+          <p:cNvSpPr/>
+          <p:nvPr/>
+        </p:nvSpPr>
+        <p:spPr>
+          <a:xfrm>
+            <a:off x="5590870" y="6133190"/>
+            <a:ext cx="2262158" cy="369332"/>
+          </a:xfrm>
+          <a:prstGeom prst="rect">
+            <a:avLst/>
+          </a:prstGeom>
+          <a:solidFill>
+            <a:srgbClr val="FFFFCC"/>
+          </a:solidFill>
+          <a:ln w="38100">
+            <a:solidFill>
+              <a:srgbClr val="00B050"/>
+            </a:solidFill>
+          </a:ln>
+        </p:spPr>
+        <p:txBody>
+          <a:bodyPr wrap="none">
+            <a:spAutoFit/>
+          </a:bodyPr>
+          <a:lstStyle/>
+          <a:p>
+            <a:r>
+              <a:rPr lang="ja-JP" altLang="en-US" b="1" dirty="0"/>
+              <a:t>データ内容の可視化</a:t>
+            </a:r>
+            <a:endParaRPr lang="en-US" altLang="ja-JP" b="1" dirty="0"/>
+          </a:p>
+        </p:txBody>
+      </p:sp>
     </p:spTree>
     <p:extLst>
       <p:ext uri="{BB962C8B-B14F-4D97-AF65-F5344CB8AC3E}">
         <p14:creationId xmlns:p14="http://schemas.microsoft.com/office/powerpoint/2010/main" val="726870817"/>
+      </p:ext>
+    </p:extLst>
+  </p:cSld>
+  <p:clrMapOvr>
+    <a:masterClrMapping/>
+  </p:clrMapOvr>
+</p:sld>
+</file>
+
+<file path=ppt/slides/slide7.xml><?xml version="1.0" encoding="utf-8"?>
+<p:sld xmlns:a="http://schemas.openxmlformats.org/drawingml/2006/main" xmlns:r="http://schemas.openxmlformats.org/officeDocument/2006/relationships" xmlns:p="http://schemas.openxmlformats.org/presentationml/2006/main">
+  <p:cSld>
+    <p:spTree>
+      <p:nvGrpSpPr>
+        <p:cNvPr id="1" name=""/>
+        <p:cNvGrpSpPr/>
+        <p:nvPr/>
+      </p:nvGrpSpPr>
+      <p:grpSpPr>
+        <a:xfrm>
+          <a:off x="0" y="0"/>
+          <a:ext cx="0" cy="0"/>
+          <a:chOff x="0" y="0"/>
+          <a:chExt cx="0" cy="0"/>
+        </a:xfrm>
+      </p:grpSpPr>
+      <p:sp>
+        <p:nvSpPr>
+          <p:cNvPr id="2" name="タイトル 1">
+            <a:extLst>
+              <a:ext uri="{FF2B5EF4-FFF2-40B4-BE49-F238E27FC236}">
+                <a16:creationId xmlns:a16="http://schemas.microsoft.com/office/drawing/2014/main" id="{75D36618-D843-466B-92EF-E8529AFEB3C5}"/>
+              </a:ext>
+            </a:extLst>
+          </p:cNvPr>
+          <p:cNvSpPr>
+            <a:spLocks noGrp="1"/>
+          </p:cNvSpPr>
+          <p:nvPr>
+            <p:ph type="title"/>
+          </p:nvPr>
+        </p:nvSpPr>
+        <p:spPr>
+          <a:xfrm>
+            <a:off x="264160" y="133415"/>
+            <a:ext cx="11587480" cy="546322"/>
+          </a:xfrm>
+        </p:spPr>
+        <p:txBody>
+          <a:bodyPr>
+            <a:noAutofit/>
+          </a:bodyPr>
+          <a:lstStyle/>
+          <a:p>
+            <a:r>
+              <a:rPr kumimoji="1" lang="ja-JP" altLang="en-US" sz="3200" b="1" dirty="0">
+                <a:solidFill>
+                  <a:srgbClr val="FF0000"/>
+                </a:solidFill>
+                <a:latin typeface="+mn-ea"/>
+                <a:ea typeface="+mn-ea"/>
+              </a:rPr>
+              <a:t>オプション設定：</a:t>
+            </a:r>
+            <a:r>
+              <a:rPr kumimoji="1" lang="ja-JP" altLang="en-US" sz="3200" b="1" dirty="0">
+                <a:latin typeface="+mn-ea"/>
+                <a:ea typeface="+mn-ea"/>
+              </a:rPr>
+              <a:t>日本国内に限定しない</a:t>
+            </a:r>
+            <a:r>
+              <a:rPr kumimoji="1" lang="en-US" altLang="ja-JP" sz="3200" b="1" dirty="0">
+                <a:latin typeface="+mn-ea"/>
+                <a:ea typeface="+mn-ea"/>
+              </a:rPr>
+              <a:t>MAP</a:t>
+            </a:r>
+            <a:r>
+              <a:rPr kumimoji="1" lang="ja-JP" altLang="en-US" sz="3200" b="1" dirty="0">
+                <a:latin typeface="+mn-ea"/>
+                <a:ea typeface="+mn-ea"/>
+              </a:rPr>
+              <a:t>の生成</a:t>
+            </a:r>
+          </a:p>
+        </p:txBody>
+      </p:sp>
+      <p:pic>
+        <p:nvPicPr>
+          <p:cNvPr id="3" name="図 2">
+            <a:extLst>
+              <a:ext uri="{FF2B5EF4-FFF2-40B4-BE49-F238E27FC236}">
+                <a16:creationId xmlns:a16="http://schemas.microsoft.com/office/drawing/2014/main" id="{2FEAD35F-5E90-4A21-A779-83FEFE728FF9}"/>
+              </a:ext>
+            </a:extLst>
+          </p:cNvPr>
+          <p:cNvPicPr>
+            <a:picLocks noChangeAspect="1"/>
+          </p:cNvPicPr>
+          <p:nvPr/>
+        </p:nvPicPr>
+        <p:blipFill>
+          <a:blip r:embed="rId2"/>
+          <a:stretch>
+            <a:fillRect/>
+          </a:stretch>
+        </p:blipFill>
+        <p:spPr>
+          <a:xfrm>
+            <a:off x="226990" y="1040099"/>
+            <a:ext cx="5701370" cy="5081656"/>
+          </a:xfrm>
+          <a:prstGeom prst="rect">
+            <a:avLst/>
+          </a:prstGeom>
+        </p:spPr>
+      </p:pic>
+      <p:pic>
+        <p:nvPicPr>
+          <p:cNvPr id="4" name="図 3">
+            <a:extLst>
+              <a:ext uri="{FF2B5EF4-FFF2-40B4-BE49-F238E27FC236}">
+                <a16:creationId xmlns:a16="http://schemas.microsoft.com/office/drawing/2014/main" id="{9D254216-3813-4CE3-9041-C4169DFDBEB8}"/>
+              </a:ext>
+            </a:extLst>
+          </p:cNvPr>
+          <p:cNvPicPr>
+            <a:picLocks noChangeAspect="1"/>
+          </p:cNvPicPr>
+          <p:nvPr/>
+        </p:nvPicPr>
+        <p:blipFill>
+          <a:blip r:embed="rId3"/>
+          <a:stretch>
+            <a:fillRect/>
+          </a:stretch>
+        </p:blipFill>
+        <p:spPr>
+          <a:xfrm>
+            <a:off x="5279894" y="677389"/>
+            <a:ext cx="6571746" cy="5857426"/>
+          </a:xfrm>
+          <a:prstGeom prst="rect">
+            <a:avLst/>
+          </a:prstGeom>
+        </p:spPr>
+      </p:pic>
+      <p:sp>
+        <p:nvSpPr>
+          <p:cNvPr id="5" name="四角形: 角を丸くする 4">
+            <a:extLst>
+              <a:ext uri="{FF2B5EF4-FFF2-40B4-BE49-F238E27FC236}">
+                <a16:creationId xmlns:a16="http://schemas.microsoft.com/office/drawing/2014/main" id="{E8785401-1707-4F06-AC73-EF7222167D34}"/>
+              </a:ext>
+            </a:extLst>
+          </p:cNvPr>
+          <p:cNvSpPr/>
+          <p:nvPr/>
+        </p:nvSpPr>
+        <p:spPr>
+          <a:xfrm>
+            <a:off x="2961640" y="4531360"/>
+            <a:ext cx="2199640" cy="360680"/>
+          </a:xfrm>
+          <a:prstGeom prst="roundRect">
+            <a:avLst/>
+          </a:prstGeom>
+          <a:noFill/>
+          <a:ln w="38100">
+            <a:solidFill>
+              <a:srgbClr val="FF0000"/>
+            </a:solidFill>
+          </a:ln>
+        </p:spPr>
+        <p:style>
+          <a:lnRef idx="2">
+            <a:schemeClr val="accent1">
+              <a:shade val="50000"/>
+            </a:schemeClr>
+          </a:lnRef>
+          <a:fillRef idx="1">
+            <a:schemeClr val="accent1"/>
+          </a:fillRef>
+          <a:effectRef idx="0">
+            <a:schemeClr val="accent1"/>
+          </a:effectRef>
+          <a:fontRef idx="minor">
+            <a:schemeClr val="lt1"/>
+          </a:fontRef>
+        </p:style>
+        <p:txBody>
+          <a:bodyPr rtlCol="0" anchor="ctr"/>
+          <a:lstStyle/>
+          <a:p>
+            <a:pPr algn="ctr"/>
+            <a:endParaRPr kumimoji="1" lang="ja-JP" altLang="en-US"/>
+          </a:p>
+        </p:txBody>
+      </p:sp>
+      <p:sp>
+        <p:nvSpPr>
+          <p:cNvPr id="7" name="矢印: 右 6">
+            <a:extLst>
+              <a:ext uri="{FF2B5EF4-FFF2-40B4-BE49-F238E27FC236}">
+                <a16:creationId xmlns:a16="http://schemas.microsoft.com/office/drawing/2014/main" id="{4D921B98-E5A5-4BAD-8744-E09931C531A0}"/>
+              </a:ext>
+            </a:extLst>
+          </p:cNvPr>
+          <p:cNvSpPr/>
+          <p:nvPr/>
+        </p:nvSpPr>
+        <p:spPr>
+          <a:xfrm rot="21223007">
+            <a:off x="4676378" y="4285107"/>
+            <a:ext cx="1417564" cy="339883"/>
+          </a:xfrm>
+          <a:prstGeom prst="rightArrow">
+            <a:avLst/>
+          </a:prstGeom>
+          <a:solidFill>
+            <a:srgbClr val="FFCCFF"/>
+          </a:solidFill>
+          <a:ln>
+            <a:solidFill>
+              <a:srgbClr val="FF0000"/>
+            </a:solidFill>
+          </a:ln>
+        </p:spPr>
+        <p:style>
+          <a:lnRef idx="2">
+            <a:schemeClr val="accent1">
+              <a:shade val="50000"/>
+            </a:schemeClr>
+          </a:lnRef>
+          <a:fillRef idx="1">
+            <a:schemeClr val="accent1"/>
+          </a:fillRef>
+          <a:effectRef idx="0">
+            <a:schemeClr val="accent1"/>
+          </a:effectRef>
+          <a:fontRef idx="minor">
+            <a:schemeClr val="lt1"/>
+          </a:fontRef>
+        </p:style>
+        <p:txBody>
+          <a:bodyPr rtlCol="0" anchor="ctr"/>
+          <a:lstStyle/>
+          <a:p>
+            <a:pPr algn="ctr"/>
+            <a:endParaRPr kumimoji="1" lang="ja-JP" altLang="en-US"/>
+          </a:p>
+        </p:txBody>
+      </p:sp>
+      <p:sp>
+        <p:nvSpPr>
+          <p:cNvPr id="8" name="四角形: 角を丸くする 7">
+            <a:extLst>
+              <a:ext uri="{FF2B5EF4-FFF2-40B4-BE49-F238E27FC236}">
+                <a16:creationId xmlns:a16="http://schemas.microsoft.com/office/drawing/2014/main" id="{E2764E58-D8FD-4590-A83A-99A527B8BC05}"/>
+              </a:ext>
+            </a:extLst>
+          </p:cNvPr>
+          <p:cNvSpPr/>
+          <p:nvPr/>
+        </p:nvSpPr>
+        <p:spPr>
+          <a:xfrm>
+            <a:off x="274320" y="3530127"/>
+            <a:ext cx="2235200" cy="223993"/>
+          </a:xfrm>
+          <a:prstGeom prst="roundRect">
+            <a:avLst/>
+          </a:prstGeom>
+          <a:noFill/>
+          <a:ln w="38100">
+            <a:solidFill>
+              <a:srgbClr val="FF0000"/>
+            </a:solidFill>
+          </a:ln>
+        </p:spPr>
+        <p:style>
+          <a:lnRef idx="2">
+            <a:schemeClr val="accent1">
+              <a:shade val="50000"/>
+            </a:schemeClr>
+          </a:lnRef>
+          <a:fillRef idx="1">
+            <a:schemeClr val="accent1"/>
+          </a:fillRef>
+          <a:effectRef idx="0">
+            <a:schemeClr val="accent1"/>
+          </a:effectRef>
+          <a:fontRef idx="minor">
+            <a:schemeClr val="lt1"/>
+          </a:fontRef>
+        </p:style>
+        <p:txBody>
+          <a:bodyPr rtlCol="0" anchor="ctr"/>
+          <a:lstStyle/>
+          <a:p>
+            <a:pPr algn="ctr"/>
+            <a:endParaRPr kumimoji="1" lang="ja-JP" altLang="en-US"/>
+          </a:p>
+        </p:txBody>
+      </p:sp>
+      <p:sp>
+        <p:nvSpPr>
+          <p:cNvPr id="6" name="吹き出し: 四角形 5">
+            <a:extLst>
+              <a:ext uri="{FF2B5EF4-FFF2-40B4-BE49-F238E27FC236}">
+                <a16:creationId xmlns:a16="http://schemas.microsoft.com/office/drawing/2014/main" id="{38E4176E-E58B-4CAC-BF58-839A99E4C356}"/>
+              </a:ext>
+            </a:extLst>
+          </p:cNvPr>
+          <p:cNvSpPr/>
+          <p:nvPr/>
+        </p:nvSpPr>
+        <p:spPr>
+          <a:xfrm>
+            <a:off x="2961640" y="3047365"/>
+            <a:ext cx="2402840" cy="763270"/>
+          </a:xfrm>
+          <a:prstGeom prst="wedgeRectCallout">
+            <a:avLst>
+              <a:gd name="adj1" fmla="val -69685"/>
+              <a:gd name="adj2" fmla="val 38765"/>
+            </a:avLst>
+          </a:prstGeom>
+          <a:solidFill>
+            <a:srgbClr val="FFFFCC"/>
+          </a:solidFill>
+          <a:ln>
+            <a:solidFill>
+              <a:srgbClr val="FF0000"/>
+            </a:solidFill>
+          </a:ln>
+        </p:spPr>
+        <p:style>
+          <a:lnRef idx="2">
+            <a:schemeClr val="accent1">
+              <a:shade val="50000"/>
+            </a:schemeClr>
+          </a:lnRef>
+          <a:fillRef idx="1">
+            <a:schemeClr val="accent1"/>
+          </a:fillRef>
+          <a:effectRef idx="0">
+            <a:schemeClr val="accent1"/>
+          </a:effectRef>
+          <a:fontRef idx="minor">
+            <a:schemeClr val="lt1"/>
+          </a:fontRef>
+        </p:style>
+        <p:txBody>
+          <a:bodyPr rtlCol="0" anchor="ctr"/>
+          <a:lstStyle/>
+          <a:p>
+            <a:r>
+              <a:rPr kumimoji="1" lang="ja-JP" altLang="en-US" sz="1400" u="sng" dirty="0">
+                <a:solidFill>
+                  <a:srgbClr val="FF0000"/>
+                </a:solidFill>
+              </a:rPr>
+              <a:t>このチェックを</a:t>
+            </a:r>
+            <a:r>
+              <a:rPr kumimoji="1" lang="ja-JP" altLang="en-US" sz="1400" b="1" u="sng" dirty="0">
+                <a:solidFill>
+                  <a:srgbClr val="FF0000"/>
+                </a:solidFill>
+              </a:rPr>
+              <a:t>外す</a:t>
+            </a:r>
+            <a:r>
+              <a:rPr kumimoji="1" lang="ja-JP" altLang="en-US" sz="1400" dirty="0">
+                <a:solidFill>
+                  <a:srgbClr val="FF0000"/>
+                </a:solidFill>
+              </a:rPr>
+              <a:t>と，</a:t>
+            </a:r>
+            <a:endParaRPr kumimoji="1" lang="en-US" altLang="ja-JP" sz="1400" dirty="0">
+              <a:solidFill>
+                <a:srgbClr val="FF0000"/>
+              </a:solidFill>
+            </a:endParaRPr>
+          </a:p>
+          <a:p>
+            <a:r>
+              <a:rPr kumimoji="1" lang="ja-JP" altLang="en-US" sz="1400" b="1" dirty="0">
+                <a:solidFill>
+                  <a:srgbClr val="FF0000"/>
+                </a:solidFill>
+              </a:rPr>
+              <a:t>日本国内に限定しない</a:t>
+            </a:r>
+            <a:r>
+              <a:rPr kumimoji="1" lang="en-US" altLang="ja-JP" sz="1400" b="1" dirty="0">
+                <a:solidFill>
+                  <a:srgbClr val="FF0000"/>
+                </a:solidFill>
+              </a:rPr>
+              <a:t>MAP</a:t>
+            </a:r>
+            <a:r>
+              <a:rPr kumimoji="1" lang="ja-JP" altLang="en-US" sz="1400" dirty="0">
+                <a:solidFill>
+                  <a:srgbClr val="FF0000"/>
+                </a:solidFill>
+              </a:rPr>
+              <a:t>を生成できる</a:t>
+            </a:r>
+          </a:p>
+        </p:txBody>
+      </p:sp>
+    </p:spTree>
+    <p:extLst>
+      <p:ext uri="{BB962C8B-B14F-4D97-AF65-F5344CB8AC3E}">
+        <p14:creationId xmlns:p14="http://schemas.microsoft.com/office/powerpoint/2010/main" val="4257870129"/>
       </p:ext>
     </p:extLst>
   </p:cSld>
@@ -5808,7 +6770,7 @@
           <p:cNvPr id="2" name="タイトル 1">
             <a:extLst>
               <a:ext uri="{FF2B5EF4-FFF2-40B4-BE49-F238E27FC236}">
-                <a16:creationId xmlns:a16="http://schemas.microsoft.com/office/drawing/2014/main" id="{75D36618-D843-466B-92EF-E8529AFEB3C5}"/>
+                <a16:creationId xmlns:a16="http://schemas.microsoft.com/office/drawing/2014/main" id="{7D0DE6E1-3345-4B91-952C-965C1913EC8B}"/>
               </a:ext>
             </a:extLst>
           </p:cNvPr>
@@ -5821,20 +6783,50 @@
         </p:nvSpPr>
         <p:spPr>
           <a:xfrm>
-            <a:off x="838200" y="365125"/>
-            <a:ext cx="10515600" cy="584835"/>
+            <a:off x="5852160" y="254001"/>
+            <a:ext cx="6181194" cy="1168399"/>
           </a:xfrm>
         </p:spPr>
         <p:txBody>
           <a:bodyPr>
-            <a:normAutofit fontScale="90000"/>
+            <a:noAutofit/>
           </a:bodyPr>
           <a:lstStyle/>
           <a:p>
             <a:r>
-              <a:rPr kumimoji="1" lang="ja-JP" altLang="en-US" dirty="0"/>
-              <a:t>使い方の詳細①</a:t>
-            </a:r>
+              <a:rPr lang="ja-JP" altLang="en-US" sz="2800" b="1" dirty="0">
+                <a:solidFill>
+                  <a:srgbClr val="FF0000"/>
+                </a:solidFill>
+                <a:latin typeface="+mn-ea"/>
+                <a:ea typeface="+mn-ea"/>
+              </a:rPr>
+              <a:t>オプション設定：</a:t>
+            </a:r>
+            <a:br>
+              <a:rPr lang="en-US" altLang="ja-JP" sz="2800" b="1" dirty="0">
+                <a:latin typeface="+mn-ea"/>
+                <a:ea typeface="+mn-ea"/>
+              </a:rPr>
+            </a:br>
+            <a:r>
+              <a:rPr lang="en-US" altLang="ja-JP" sz="2800" b="1" dirty="0">
+                <a:latin typeface="+mn-ea"/>
+                <a:ea typeface="+mn-ea"/>
+              </a:rPr>
+              <a:t>MAP</a:t>
+            </a:r>
+            <a:r>
+              <a:rPr lang="ja-JP" altLang="en-US" sz="2800" b="1" dirty="0">
+                <a:latin typeface="+mn-ea"/>
+                <a:ea typeface="+mn-ea"/>
+              </a:rPr>
+              <a:t>生成に用いるクエリの詳細設定</a:t>
+            </a:r>
+            <a:endParaRPr kumimoji="1" lang="ja-JP" altLang="en-US" sz="2800" b="1" dirty="0">
+              <a:latin typeface="+mn-ea"/>
+              <a:ea typeface="+mn-ea"/>
+            </a:endParaRPr>
           </a:p>
         </p:txBody>
       </p:sp>
@@ -5843,7 +6835,7 @@
           <p:cNvPr id="3" name="図 2">
             <a:extLst>
               <a:ext uri="{FF2B5EF4-FFF2-40B4-BE49-F238E27FC236}">
-                <a16:creationId xmlns:a16="http://schemas.microsoft.com/office/drawing/2014/main" id="{2FEAD35F-5E90-4A21-A779-83FEFE728FF9}"/>
+                <a16:creationId xmlns:a16="http://schemas.microsoft.com/office/drawing/2014/main" id="{76568217-6243-483B-B6D7-5C467535CD0C}"/>
               </a:ext>
             </a:extLst>
           </p:cNvPr>
@@ -5860,48 +6852,490 @@
         </p:blipFill>
         <p:spPr>
           <a:xfrm>
-            <a:off x="318430" y="949960"/>
-            <a:ext cx="6590370" cy="5874026"/>
+            <a:off x="158646" y="182881"/>
+            <a:ext cx="5393794" cy="6401195"/>
           </a:xfrm>
           <a:prstGeom prst="rect">
             <a:avLst/>
           </a:prstGeom>
         </p:spPr>
       </p:pic>
-      <p:pic>
-        <p:nvPicPr>
-          <p:cNvPr id="4" name="図 3">
-            <a:extLst>
-              <a:ext uri="{FF2B5EF4-FFF2-40B4-BE49-F238E27FC236}">
-                <a16:creationId xmlns:a16="http://schemas.microsoft.com/office/drawing/2014/main" id="{9D254216-3813-4CE3-9041-C4169DFDBEB8}"/>
-              </a:ext>
-            </a:extLst>
-          </p:cNvPr>
-          <p:cNvPicPr>
-            <a:picLocks noChangeAspect="1"/>
-          </p:cNvPicPr>
+      <p:sp>
+        <p:nvSpPr>
+          <p:cNvPr id="5" name="吹き出し: 四角形 4">
+            <a:extLst>
+              <a:ext uri="{FF2B5EF4-FFF2-40B4-BE49-F238E27FC236}">
+                <a16:creationId xmlns:a16="http://schemas.microsoft.com/office/drawing/2014/main" id="{B79819F6-940D-4CE7-8055-AC0AD02E97CA}"/>
+              </a:ext>
+            </a:extLst>
+          </p:cNvPr>
+          <p:cNvSpPr/>
           <p:nvPr/>
-        </p:nvPicPr>
-        <p:blipFill>
-          <a:blip r:embed="rId3"/>
-          <a:stretch>
-            <a:fillRect/>
-          </a:stretch>
-        </p:blipFill>
+        </p:nvSpPr>
         <p:spPr>
           <a:xfrm>
-            <a:off x="5330694" y="438573"/>
-            <a:ext cx="6398462" cy="5702977"/>
+            <a:off x="1264920" y="1595119"/>
+            <a:ext cx="4196080" cy="762635"/>
+          </a:xfrm>
+          <a:prstGeom prst="wedgeRectCallout">
+            <a:avLst>
+              <a:gd name="adj1" fmla="val -58736"/>
+              <a:gd name="adj2" fmla="val 44760"/>
+            </a:avLst>
+          </a:prstGeom>
+          <a:solidFill>
+            <a:srgbClr val="FFFFCC"/>
+          </a:solidFill>
+          <a:ln>
+            <a:solidFill>
+              <a:srgbClr val="FF0000"/>
+            </a:solidFill>
+          </a:ln>
+        </p:spPr>
+        <p:style>
+          <a:lnRef idx="2">
+            <a:schemeClr val="accent1">
+              <a:shade val="50000"/>
+            </a:schemeClr>
+          </a:lnRef>
+          <a:fillRef idx="1">
+            <a:schemeClr val="accent1"/>
+          </a:fillRef>
+          <a:effectRef idx="0">
+            <a:schemeClr val="accent1"/>
+          </a:effectRef>
+          <a:fontRef idx="minor">
+            <a:schemeClr val="lt1"/>
+          </a:fontRef>
+        </p:style>
+        <p:txBody>
+          <a:bodyPr rtlCol="0" anchor="ctr"/>
+          <a:lstStyle/>
+          <a:p>
+            <a:r>
+              <a:rPr kumimoji="1" lang="ja-JP" altLang="en-US" sz="1400" b="1" dirty="0">
+                <a:solidFill>
+                  <a:srgbClr val="FF0000"/>
+                </a:solidFill>
+              </a:rPr>
+              <a:t>「詳細設定の表示」⇔「詳細設定の非表示」</a:t>
+            </a:r>
+            <a:r>
+              <a:rPr kumimoji="1" lang="ja-JP" altLang="en-US" sz="1400" dirty="0">
+                <a:solidFill>
+                  <a:srgbClr val="FF0000"/>
+                </a:solidFill>
+              </a:rPr>
+              <a:t>のボタンで「</a:t>
+            </a:r>
+            <a:r>
+              <a:rPr kumimoji="1" lang="en-US" altLang="ja-JP" sz="1400" dirty="0">
+                <a:solidFill>
+                  <a:srgbClr val="FF0000"/>
+                </a:solidFill>
+              </a:rPr>
+              <a:t>MAP</a:t>
+            </a:r>
+            <a:r>
+              <a:rPr kumimoji="1" lang="ja-JP" altLang="en-US" sz="1400" dirty="0">
+                <a:solidFill>
+                  <a:srgbClr val="FF0000"/>
+                </a:solidFill>
+              </a:rPr>
+              <a:t>生成に用いる</a:t>
+            </a:r>
+            <a:r>
+              <a:rPr kumimoji="1" lang="en-US" altLang="ja-JP" sz="1400" dirty="0">
+                <a:solidFill>
+                  <a:srgbClr val="FF0000"/>
+                </a:solidFill>
+              </a:rPr>
+              <a:t>SPARQL</a:t>
+            </a:r>
+            <a:r>
+              <a:rPr kumimoji="1" lang="ja-JP" altLang="en-US" sz="1400" dirty="0">
+                <a:solidFill>
+                  <a:srgbClr val="FF0000"/>
+                </a:solidFill>
+              </a:rPr>
+              <a:t>クエリの詳細設定」の表示が</a:t>
+            </a:r>
+            <a:r>
+              <a:rPr lang="ja-JP" altLang="en-US" sz="1400" dirty="0">
+                <a:solidFill>
+                  <a:srgbClr val="FF0000"/>
+                </a:solidFill>
+              </a:rPr>
+              <a:t>切り替わる</a:t>
+            </a:r>
+            <a:endParaRPr kumimoji="1" lang="ja-JP" altLang="en-US" sz="1400" dirty="0">
+              <a:solidFill>
+                <a:srgbClr val="FF0000"/>
+              </a:solidFill>
+            </a:endParaRPr>
+          </a:p>
+        </p:txBody>
+      </p:sp>
+      <p:sp>
+        <p:nvSpPr>
+          <p:cNvPr id="6" name="吹き出し: 四角形 5">
+            <a:extLst>
+              <a:ext uri="{FF2B5EF4-FFF2-40B4-BE49-F238E27FC236}">
+                <a16:creationId xmlns:a16="http://schemas.microsoft.com/office/drawing/2014/main" id="{D0B31EAF-8ACB-4B3D-AD2E-B59E5A4DE064}"/>
+              </a:ext>
+            </a:extLst>
+          </p:cNvPr>
+          <p:cNvSpPr/>
+          <p:nvPr/>
+        </p:nvSpPr>
+        <p:spPr>
+          <a:xfrm>
+            <a:off x="2306320" y="4683760"/>
+            <a:ext cx="3098800" cy="716915"/>
+          </a:xfrm>
+          <a:prstGeom prst="wedgeRectCallout">
+            <a:avLst>
+              <a:gd name="adj1" fmla="val 18501"/>
+              <a:gd name="adj2" fmla="val 118677"/>
+            </a:avLst>
+          </a:prstGeom>
+          <a:solidFill>
+            <a:srgbClr val="FFFFCC"/>
+          </a:solidFill>
+          <a:ln>
+            <a:solidFill>
+              <a:srgbClr val="FF0000"/>
+            </a:solidFill>
+          </a:ln>
+        </p:spPr>
+        <p:style>
+          <a:lnRef idx="2">
+            <a:schemeClr val="accent1">
+              <a:shade val="50000"/>
+            </a:schemeClr>
+          </a:lnRef>
+          <a:fillRef idx="1">
+            <a:schemeClr val="accent1"/>
+          </a:fillRef>
+          <a:effectRef idx="0">
+            <a:schemeClr val="accent1"/>
+          </a:effectRef>
+          <a:fontRef idx="minor">
+            <a:schemeClr val="lt1"/>
+          </a:fontRef>
+        </p:style>
+        <p:txBody>
+          <a:bodyPr rtlCol="0" anchor="ctr"/>
+          <a:lstStyle/>
+          <a:p>
+            <a:r>
+              <a:rPr kumimoji="1" lang="ja-JP" altLang="en-US" sz="1400" dirty="0">
+                <a:solidFill>
+                  <a:srgbClr val="FF0000"/>
+                </a:solidFill>
+              </a:rPr>
+              <a:t>この</a:t>
+            </a:r>
+            <a:r>
+              <a:rPr kumimoji="1" lang="en-US" altLang="ja-JP" sz="1400" dirty="0">
+                <a:solidFill>
+                  <a:srgbClr val="FF0000"/>
+                </a:solidFill>
+              </a:rPr>
+              <a:t>SPARQL</a:t>
+            </a:r>
+            <a:r>
+              <a:rPr kumimoji="1" lang="ja-JP" altLang="en-US" sz="1400" dirty="0">
+                <a:solidFill>
+                  <a:srgbClr val="FF0000"/>
+                </a:solidFill>
+              </a:rPr>
+              <a:t>クエリを編集することで</a:t>
+            </a:r>
+            <a:r>
+              <a:rPr kumimoji="1" lang="ja-JP" altLang="en-US" sz="1400" b="1" dirty="0">
+                <a:solidFill>
+                  <a:srgbClr val="FF0000"/>
+                </a:solidFill>
+              </a:rPr>
+              <a:t>「</a:t>
+            </a:r>
+            <a:r>
+              <a:rPr kumimoji="1" lang="en-US" altLang="ja-JP" sz="1400" b="1" dirty="0">
+                <a:solidFill>
+                  <a:srgbClr val="FF0000"/>
+                </a:solidFill>
+              </a:rPr>
+              <a:t>MAP</a:t>
+            </a:r>
+            <a:r>
+              <a:rPr kumimoji="1" lang="ja-JP" altLang="en-US" sz="1400" b="1" dirty="0">
+                <a:solidFill>
+                  <a:srgbClr val="FF0000"/>
+                </a:solidFill>
+              </a:rPr>
+              <a:t>生成用に使用するデータ」の検索条件</a:t>
+            </a:r>
+            <a:r>
+              <a:rPr kumimoji="1" lang="ja-JP" altLang="en-US" sz="1400" dirty="0">
+                <a:solidFill>
+                  <a:srgbClr val="FF0000"/>
+                </a:solidFill>
+              </a:rPr>
+              <a:t>を変更できる</a:t>
+            </a:r>
+          </a:p>
+        </p:txBody>
+      </p:sp>
+      <p:sp>
+        <p:nvSpPr>
+          <p:cNvPr id="7" name="吹き出し: 四角形 6">
+            <a:extLst>
+              <a:ext uri="{FF2B5EF4-FFF2-40B4-BE49-F238E27FC236}">
+                <a16:creationId xmlns:a16="http://schemas.microsoft.com/office/drawing/2014/main" id="{911F271A-FDC8-44FB-8B83-6522C155D78A}"/>
+              </a:ext>
+            </a:extLst>
+          </p:cNvPr>
+          <p:cNvSpPr/>
+          <p:nvPr/>
+        </p:nvSpPr>
+        <p:spPr>
+          <a:xfrm>
+            <a:off x="2677160" y="3309937"/>
+            <a:ext cx="2534920" cy="462676"/>
+          </a:xfrm>
+          <a:prstGeom prst="wedgeRectCallout">
+            <a:avLst>
+              <a:gd name="adj1" fmla="val -25186"/>
+              <a:gd name="adj2" fmla="val -89936"/>
+            </a:avLst>
+          </a:prstGeom>
+          <a:solidFill>
+            <a:srgbClr val="FFFFCC"/>
+          </a:solidFill>
+          <a:ln>
+            <a:solidFill>
+              <a:srgbClr val="FF0000"/>
+            </a:solidFill>
+          </a:ln>
+        </p:spPr>
+        <p:style>
+          <a:lnRef idx="2">
+            <a:schemeClr val="accent1">
+              <a:shade val="50000"/>
+            </a:schemeClr>
+          </a:lnRef>
+          <a:fillRef idx="1">
+            <a:schemeClr val="accent1"/>
+          </a:fillRef>
+          <a:effectRef idx="0">
+            <a:schemeClr val="accent1"/>
+          </a:effectRef>
+          <a:fontRef idx="minor">
+            <a:schemeClr val="lt1"/>
+          </a:fontRef>
+        </p:style>
+        <p:txBody>
+          <a:bodyPr rtlCol="0" anchor="ctr"/>
+          <a:lstStyle/>
+          <a:p>
+            <a:r>
+              <a:rPr kumimoji="1" lang="ja-JP" altLang="en-US" sz="1400" dirty="0">
+                <a:solidFill>
+                  <a:srgbClr val="FF0000"/>
+                </a:solidFill>
+              </a:rPr>
+              <a:t>名称から具体例となるデータを検索する</a:t>
+            </a:r>
+            <a:r>
+              <a:rPr kumimoji="1" lang="en-US" altLang="ja-JP" sz="1400" dirty="0">
+                <a:solidFill>
+                  <a:srgbClr val="FF0000"/>
+                </a:solidFill>
+              </a:rPr>
+              <a:t>SPARQL</a:t>
+            </a:r>
+            <a:r>
+              <a:rPr kumimoji="1" lang="ja-JP" altLang="en-US" sz="1400" dirty="0">
+                <a:solidFill>
+                  <a:srgbClr val="FF0000"/>
+                </a:solidFill>
+              </a:rPr>
+              <a:t>クエリ</a:t>
+            </a:r>
+          </a:p>
+        </p:txBody>
+      </p:sp>
+      <p:sp>
+        <p:nvSpPr>
+          <p:cNvPr id="8" name="テキスト ボックス 7">
+            <a:extLst>
+              <a:ext uri="{FF2B5EF4-FFF2-40B4-BE49-F238E27FC236}">
+                <a16:creationId xmlns:a16="http://schemas.microsoft.com/office/drawing/2014/main" id="{5999E2A7-F3E8-4EB9-98C1-05531B3C83B7}"/>
+              </a:ext>
+            </a:extLst>
+          </p:cNvPr>
+          <p:cNvSpPr txBox="1"/>
+          <p:nvPr/>
+        </p:nvSpPr>
+        <p:spPr>
+          <a:xfrm>
+            <a:off x="5684520" y="1832609"/>
+            <a:ext cx="6348834" cy="3742499"/>
           </a:xfrm>
           <a:prstGeom prst="rect">
             <a:avLst/>
           </a:prstGeom>
+          <a:noFill/>
         </p:spPr>
-      </p:pic>
+        <p:txBody>
+          <a:bodyPr wrap="square" rtlCol="0">
+            <a:spAutoFit/>
+          </a:bodyPr>
+          <a:lstStyle/>
+          <a:p>
+            <a:pPr>
+              <a:lnSpc>
+                <a:spcPct val="150000"/>
+              </a:lnSpc>
+            </a:pPr>
+            <a:r>
+              <a:rPr lang="ja-JP" altLang="en-US" sz="2000" b="1" dirty="0"/>
+              <a:t>「詳細設定の表示」⇔「詳細設定の非表示」</a:t>
+            </a:r>
+            <a:r>
+              <a:rPr lang="ja-JP" altLang="en-US" sz="2000" dirty="0"/>
+              <a:t>のボタンで</a:t>
+            </a:r>
+            <a:r>
+              <a:rPr lang="ja-JP" altLang="en-US" sz="2000" b="1" dirty="0"/>
+              <a:t>「</a:t>
+            </a:r>
+            <a:r>
+              <a:rPr lang="en-US" altLang="ja-JP" sz="2000" b="1" dirty="0"/>
+              <a:t>MAP</a:t>
+            </a:r>
+            <a:r>
+              <a:rPr lang="ja-JP" altLang="en-US" sz="2000" b="1" dirty="0"/>
+              <a:t>生成に用いる</a:t>
+            </a:r>
+            <a:r>
+              <a:rPr lang="en-US" altLang="ja-JP" sz="2000" b="1" dirty="0"/>
+              <a:t>SPARQL</a:t>
+            </a:r>
+            <a:r>
+              <a:rPr lang="ja-JP" altLang="en-US" sz="2000" b="1" dirty="0"/>
+              <a:t>クエリの詳細設定」</a:t>
+            </a:r>
+            <a:r>
+              <a:rPr lang="ja-JP" altLang="en-US" sz="2000" dirty="0"/>
+              <a:t>の表示が切り替わる．</a:t>
+            </a:r>
+            <a:endParaRPr lang="en-US" altLang="ja-JP" sz="2000" dirty="0"/>
+          </a:p>
+          <a:p>
+            <a:pPr>
+              <a:lnSpc>
+                <a:spcPct val="150000"/>
+              </a:lnSpc>
+            </a:pPr>
+            <a:endParaRPr lang="en-US" altLang="ja-JP" sz="2000" dirty="0"/>
+          </a:p>
+          <a:p>
+            <a:pPr>
+              <a:lnSpc>
+                <a:spcPct val="150000"/>
+              </a:lnSpc>
+            </a:pPr>
+            <a:r>
+              <a:rPr lang="ja-JP" altLang="en-US" sz="2000" dirty="0"/>
+              <a:t>ここに表示される</a:t>
+            </a:r>
+            <a:r>
+              <a:rPr lang="en-US" altLang="ja-JP" sz="2000" u="sng" dirty="0"/>
+              <a:t>SPARQL</a:t>
+            </a:r>
+            <a:r>
+              <a:rPr lang="ja-JP" altLang="en-US" sz="2000" u="sng" dirty="0"/>
+              <a:t>クエリを書き換える</a:t>
+            </a:r>
+            <a:r>
+              <a:rPr lang="ja-JP" altLang="en-US" sz="2000" dirty="0"/>
+              <a:t>ことで，</a:t>
+            </a:r>
+            <a:r>
+              <a:rPr lang="en-US" altLang="ja-JP" sz="2000" dirty="0"/>
+              <a:t>MAP</a:t>
+            </a:r>
+            <a:r>
+              <a:rPr lang="ja-JP" altLang="en-US" sz="2000" dirty="0"/>
+              <a:t>生成の条件の詳細を変更できる．</a:t>
+            </a:r>
+            <a:endParaRPr lang="en-US" altLang="ja-JP" sz="2000" dirty="0"/>
+          </a:p>
+          <a:p>
+            <a:pPr>
+              <a:lnSpc>
+                <a:spcPct val="150000"/>
+              </a:lnSpc>
+            </a:pPr>
+            <a:r>
+              <a:rPr lang="en-US" altLang="ja-JP" sz="2000" dirty="0"/>
+              <a:t>※</a:t>
+            </a:r>
+            <a:r>
+              <a:rPr lang="ja-JP" altLang="en-US" sz="2000" dirty="0"/>
+              <a:t>使用している</a:t>
+            </a:r>
+            <a:r>
+              <a:rPr lang="en-US" altLang="ja-JP" sz="2000" dirty="0"/>
+              <a:t>SPARQL</a:t>
+            </a:r>
+            <a:r>
+              <a:rPr lang="ja-JP" altLang="en-US" sz="2000" dirty="0"/>
+              <a:t>クエリの詳細については</a:t>
+            </a:r>
+            <a:endParaRPr lang="en-US" altLang="ja-JP" sz="2000" dirty="0"/>
+          </a:p>
+          <a:p>
+            <a:pPr>
+              <a:lnSpc>
+                <a:spcPct val="150000"/>
+              </a:lnSpc>
+            </a:pPr>
+            <a:r>
+              <a:rPr lang="ja-JP" altLang="en-US" sz="2000" dirty="0"/>
+              <a:t>　</a:t>
+            </a:r>
+            <a:r>
+              <a:rPr lang="en-US" altLang="ja-JP" sz="2000" dirty="0">
+                <a:hlinkClick r:id="rId3"/>
+              </a:rPr>
+              <a:t>【</a:t>
+            </a:r>
+            <a:r>
+              <a:rPr lang="ja-JP" altLang="en-US" sz="2000" dirty="0">
+                <a:hlinkClick r:id="rId3"/>
+              </a:rPr>
+              <a:t>技術解説</a:t>
+            </a:r>
+            <a:r>
+              <a:rPr lang="en-US" altLang="ja-JP" sz="2000" dirty="0">
+                <a:hlinkClick r:id="rId3"/>
+              </a:rPr>
+              <a:t>】</a:t>
+            </a:r>
+            <a:r>
+              <a:rPr lang="ja-JP" altLang="en-US" sz="2000" dirty="0"/>
+              <a:t>を参照．</a:t>
+            </a:r>
+          </a:p>
+        </p:txBody>
+      </p:sp>
     </p:spTree>
     <p:extLst>
       <p:ext uri="{BB962C8B-B14F-4D97-AF65-F5344CB8AC3E}">
-        <p14:creationId xmlns:p14="http://schemas.microsoft.com/office/powerpoint/2010/main" val="4257870129"/>
+        <p14:creationId xmlns:p14="http://schemas.microsoft.com/office/powerpoint/2010/main" val="868636503"/>
       </p:ext>
     </p:extLst>
   </p:cSld>
